--- a/Images/CH08/CH08 Images.pptx
+++ b/Images/CH08/CH08 Images.pptx
@@ -2,20 +2,21 @@
 <file path=ppt/presentation.xml><?xml version="1.0" encoding="utf-8"?>
 <p:presentation xmlns:a="http://schemas.openxmlformats.org/drawingml/2006/main" xmlns:r="http://schemas.openxmlformats.org/officeDocument/2006/relationships" xmlns:p="http://schemas.openxmlformats.org/presentationml/2006/main" saveSubsetFonts="1" autoCompressPictures="0">
   <p:sldMasterIdLst>
-    <p:sldMasterId id="2147483648" r:id="rId1"/>
+    <p:sldMasterId id="2147483660" r:id="rId1"/>
   </p:sldMasterIdLst>
   <p:sldIdLst>
     <p:sldId id="256" r:id="rId2"/>
     <p:sldId id="257" r:id="rId3"/>
     <p:sldId id="258" r:id="rId4"/>
+    <p:sldId id="259" r:id="rId5"/>
   </p:sldIdLst>
-  <p:sldSz cx="12192000" cy="6858000"/>
+  <p:sldSz cx="9144000" cy="6858000" type="letter"/>
   <p:notesSz cx="6858000" cy="9144000"/>
   <p:defaultTextStyle>
     <a:defPPr>
       <a:defRPr lang="en-US"/>
     </a:defPPr>
-    <a:lvl1pPr marL="0" algn="l" defTabSz="914400" rtl="0" eaLnBrk="1" latinLnBrk="0" hangingPunct="1">
+    <a:lvl1pPr marL="0" algn="l" defTabSz="457200" rtl="0" eaLnBrk="1" latinLnBrk="0" hangingPunct="1">
       <a:defRPr sz="1800" kern="1200">
         <a:solidFill>
           <a:schemeClr val="tx1"/>
@@ -25,7 +26,7 @@
         <a:cs typeface="+mn-cs"/>
       </a:defRPr>
     </a:lvl1pPr>
-    <a:lvl2pPr marL="457200" algn="l" defTabSz="914400" rtl="0" eaLnBrk="1" latinLnBrk="0" hangingPunct="1">
+    <a:lvl2pPr marL="457200" algn="l" defTabSz="457200" rtl="0" eaLnBrk="1" latinLnBrk="0" hangingPunct="1">
       <a:defRPr sz="1800" kern="1200">
         <a:solidFill>
           <a:schemeClr val="tx1"/>
@@ -35,7 +36,7 @@
         <a:cs typeface="+mn-cs"/>
       </a:defRPr>
     </a:lvl2pPr>
-    <a:lvl3pPr marL="914400" algn="l" defTabSz="914400" rtl="0" eaLnBrk="1" latinLnBrk="0" hangingPunct="1">
+    <a:lvl3pPr marL="914400" algn="l" defTabSz="457200" rtl="0" eaLnBrk="1" latinLnBrk="0" hangingPunct="1">
       <a:defRPr sz="1800" kern="1200">
         <a:solidFill>
           <a:schemeClr val="tx1"/>
@@ -45,7 +46,7 @@
         <a:cs typeface="+mn-cs"/>
       </a:defRPr>
     </a:lvl3pPr>
-    <a:lvl4pPr marL="1371600" algn="l" defTabSz="914400" rtl="0" eaLnBrk="1" latinLnBrk="0" hangingPunct="1">
+    <a:lvl4pPr marL="1371600" algn="l" defTabSz="457200" rtl="0" eaLnBrk="1" latinLnBrk="0" hangingPunct="1">
       <a:defRPr sz="1800" kern="1200">
         <a:solidFill>
           <a:schemeClr val="tx1"/>
@@ -55,7 +56,7 @@
         <a:cs typeface="+mn-cs"/>
       </a:defRPr>
     </a:lvl4pPr>
-    <a:lvl5pPr marL="1828800" algn="l" defTabSz="914400" rtl="0" eaLnBrk="1" latinLnBrk="0" hangingPunct="1">
+    <a:lvl5pPr marL="1828800" algn="l" defTabSz="457200" rtl="0" eaLnBrk="1" latinLnBrk="0" hangingPunct="1">
       <a:defRPr sz="1800" kern="1200">
         <a:solidFill>
           <a:schemeClr val="tx1"/>
@@ -65,7 +66,7 @@
         <a:cs typeface="+mn-cs"/>
       </a:defRPr>
     </a:lvl5pPr>
-    <a:lvl6pPr marL="2286000" algn="l" defTabSz="914400" rtl="0" eaLnBrk="1" latinLnBrk="0" hangingPunct="1">
+    <a:lvl6pPr marL="2286000" algn="l" defTabSz="457200" rtl="0" eaLnBrk="1" latinLnBrk="0" hangingPunct="1">
       <a:defRPr sz="1800" kern="1200">
         <a:solidFill>
           <a:schemeClr val="tx1"/>
@@ -75,7 +76,7 @@
         <a:cs typeface="+mn-cs"/>
       </a:defRPr>
     </a:lvl6pPr>
-    <a:lvl7pPr marL="2743200" algn="l" defTabSz="914400" rtl="0" eaLnBrk="1" latinLnBrk="0" hangingPunct="1">
+    <a:lvl7pPr marL="2743200" algn="l" defTabSz="457200" rtl="0" eaLnBrk="1" latinLnBrk="0" hangingPunct="1">
       <a:defRPr sz="1800" kern="1200">
         <a:solidFill>
           <a:schemeClr val="tx1"/>
@@ -85,7 +86,7 @@
         <a:cs typeface="+mn-cs"/>
       </a:defRPr>
     </a:lvl7pPr>
-    <a:lvl8pPr marL="3200400" algn="l" defTabSz="914400" rtl="0" eaLnBrk="1" latinLnBrk="0" hangingPunct="1">
+    <a:lvl8pPr marL="3200400" algn="l" defTabSz="457200" rtl="0" eaLnBrk="1" latinLnBrk="0" hangingPunct="1">
       <a:defRPr sz="1800" kern="1200">
         <a:solidFill>
           <a:schemeClr val="tx1"/>
@@ -95,7 +96,7 @@
         <a:cs typeface="+mn-cs"/>
       </a:defRPr>
     </a:lvl8pPr>
-    <a:lvl9pPr marL="3657600" algn="l" defTabSz="914400" rtl="0" eaLnBrk="1" latinLnBrk="0" hangingPunct="1">
+    <a:lvl9pPr marL="3657600" algn="l" defTabSz="457200" rtl="0" eaLnBrk="1" latinLnBrk="0" hangingPunct="1">
       <a:defRPr sz="1800" kern="1200">
         <a:solidFill>
           <a:schemeClr val="tx1"/>
@@ -133,13 +134,7 @@
       </p:grpSpPr>
       <p:sp>
         <p:nvSpPr>
-          <p:cNvPr id="2" name="Title 1">
-            <a:extLst>
-              <a:ext uri="{FF2B5EF4-FFF2-40B4-BE49-F238E27FC236}">
-                <a16:creationId xmlns:a16="http://schemas.microsoft.com/office/drawing/2014/main" id="{C1687499-2049-664C-BEEA-ED0837901906}"/>
-              </a:ext>
-            </a:extLst>
-          </p:cNvPr>
+          <p:cNvPr id="2" name="Title 1"/>
           <p:cNvSpPr>
             <a:spLocks noGrp="1"/>
           </p:cNvSpPr>
@@ -149,8 +144,8 @@
         </p:nvSpPr>
         <p:spPr>
           <a:xfrm>
-            <a:off x="1524000" y="1122363"/>
-            <a:ext cx="9144000" cy="2387600"/>
+            <a:off x="685800" y="1122363"/>
+            <a:ext cx="7772400" cy="2387600"/>
           </a:xfrm>
         </p:spPr>
         <p:txBody>
@@ -165,18 +160,13 @@
               <a:rPr lang="en-US"/>
               <a:t>Click to edit Master title style</a:t>
             </a:r>
-          </a:p>
-        </p:txBody>
-      </p:sp>
-      <p:sp>
-        <p:nvSpPr>
-          <p:cNvPr id="3" name="Subtitle 2">
-            <a:extLst>
-              <a:ext uri="{FF2B5EF4-FFF2-40B4-BE49-F238E27FC236}">
-                <a16:creationId xmlns:a16="http://schemas.microsoft.com/office/drawing/2014/main" id="{2E0C908E-ECBC-1341-80AF-C568EA60B980}"/>
-              </a:ext>
-            </a:extLst>
-          </p:cNvPr>
+            <a:endParaRPr lang="en-US" dirty="0"/>
+          </a:p>
+        </p:txBody>
+      </p:sp>
+      <p:sp>
+        <p:nvSpPr>
+          <p:cNvPr id="3" name="Subtitle 2"/>
           <p:cNvSpPr>
             <a:spLocks noGrp="1"/>
           </p:cNvSpPr>
@@ -186,8 +176,8 @@
         </p:nvSpPr>
         <p:spPr>
           <a:xfrm>
-            <a:off x="1524000" y="3602038"/>
-            <a:ext cx="9144000" cy="1655762"/>
+            <a:off x="1143000" y="3602038"/>
+            <a:ext cx="6858000" cy="1655762"/>
           </a:xfrm>
         </p:spPr>
         <p:txBody>
@@ -235,18 +225,13 @@
               <a:rPr lang="en-US"/>
               <a:t>Click to edit Master subtitle style</a:t>
             </a:r>
-          </a:p>
-        </p:txBody>
-      </p:sp>
-      <p:sp>
-        <p:nvSpPr>
-          <p:cNvPr id="4" name="Date Placeholder 3">
-            <a:extLst>
-              <a:ext uri="{FF2B5EF4-FFF2-40B4-BE49-F238E27FC236}">
-                <a16:creationId xmlns:a16="http://schemas.microsoft.com/office/drawing/2014/main" id="{E27BE62C-4B72-744A-BFC5-EC9179A0796E}"/>
-              </a:ext>
-            </a:extLst>
-          </p:cNvPr>
+            <a:endParaRPr lang="en-US" dirty="0"/>
+          </a:p>
+        </p:txBody>
+      </p:sp>
+      <p:sp>
+        <p:nvSpPr>
+          <p:cNvPr id="4" name="Date Placeholder 3"/>
           <p:cNvSpPr>
             <a:spLocks noGrp="1"/>
           </p:cNvSpPr>
@@ -261,7 +246,7 @@
           <a:p>
             <a:fld id="{D620AE5E-D42F-6C47-8D07-C049B20C1F89}" type="datetimeFigureOut">
               <a:rPr lang="en-US" smtClean="0"/>
-              <a:t>8/6/21</a:t>
+              <a:t>3/3/22</a:t>
             </a:fld>
             <a:endParaRPr lang="en-US"/>
           </a:p>
@@ -269,13 +254,7 @@
       </p:sp>
       <p:sp>
         <p:nvSpPr>
-          <p:cNvPr id="5" name="Footer Placeholder 4">
-            <a:extLst>
-              <a:ext uri="{FF2B5EF4-FFF2-40B4-BE49-F238E27FC236}">
-                <a16:creationId xmlns:a16="http://schemas.microsoft.com/office/drawing/2014/main" id="{29BB914D-69F4-1246-91D7-6673E112F0B7}"/>
-              </a:ext>
-            </a:extLst>
-          </p:cNvPr>
+          <p:cNvPr id="5" name="Footer Placeholder 4"/>
           <p:cNvSpPr>
             <a:spLocks noGrp="1"/>
           </p:cNvSpPr>
@@ -294,13 +273,7 @@
       </p:sp>
       <p:sp>
         <p:nvSpPr>
-          <p:cNvPr id="6" name="Slide Number Placeholder 5">
-            <a:extLst>
-              <a:ext uri="{FF2B5EF4-FFF2-40B4-BE49-F238E27FC236}">
-                <a16:creationId xmlns:a16="http://schemas.microsoft.com/office/drawing/2014/main" id="{49C29E51-B376-FC45-BCCD-A2927EC9A1EF}"/>
-              </a:ext>
-            </a:extLst>
-          </p:cNvPr>
+          <p:cNvPr id="6" name="Slide Number Placeholder 5"/>
           <p:cNvSpPr>
             <a:spLocks noGrp="1"/>
           </p:cNvSpPr>
@@ -324,7 +297,7 @@
     </p:spTree>
     <p:extLst>
       <p:ext uri="{BB962C8B-B14F-4D97-AF65-F5344CB8AC3E}">
-        <p14:creationId xmlns:p14="http://schemas.microsoft.com/office/powerpoint/2010/main" val="3293798108"/>
+        <p14:creationId xmlns:p14="http://schemas.microsoft.com/office/powerpoint/2010/main" val="2309061048"/>
       </p:ext>
     </p:extLst>
   </p:cSld>
@@ -353,13 +326,7 @@
       </p:grpSpPr>
       <p:sp>
         <p:nvSpPr>
-          <p:cNvPr id="2" name="Title 1">
-            <a:extLst>
-              <a:ext uri="{FF2B5EF4-FFF2-40B4-BE49-F238E27FC236}">
-                <a16:creationId xmlns:a16="http://schemas.microsoft.com/office/drawing/2014/main" id="{B9027B31-F994-0A49-836F-C524D6C9A185}"/>
-              </a:ext>
-            </a:extLst>
-          </p:cNvPr>
+          <p:cNvPr id="2" name="Title 1"/>
           <p:cNvSpPr>
             <a:spLocks noGrp="1"/>
           </p:cNvSpPr>
@@ -376,18 +343,13 @@
               <a:rPr lang="en-US"/>
               <a:t>Click to edit Master title style</a:t>
             </a:r>
-          </a:p>
-        </p:txBody>
-      </p:sp>
-      <p:sp>
-        <p:nvSpPr>
-          <p:cNvPr id="3" name="Vertical Text Placeholder 2">
-            <a:extLst>
-              <a:ext uri="{FF2B5EF4-FFF2-40B4-BE49-F238E27FC236}">
-                <a16:creationId xmlns:a16="http://schemas.microsoft.com/office/drawing/2014/main" id="{4CEA65D3-257C-D140-A170-1453FDEA011D}"/>
-              </a:ext>
-            </a:extLst>
-          </p:cNvPr>
+            <a:endParaRPr lang="en-US" dirty="0"/>
+          </a:p>
+        </p:txBody>
+      </p:sp>
+      <p:sp>
+        <p:nvSpPr>
+          <p:cNvPr id="3" name="Vertical Text Placeholder 2"/>
           <p:cNvSpPr>
             <a:spLocks noGrp="1"/>
           </p:cNvSpPr>
@@ -433,18 +395,13 @@
               <a:rPr lang="en-US"/>
               <a:t>Fifth level</a:t>
             </a:r>
-          </a:p>
-        </p:txBody>
-      </p:sp>
-      <p:sp>
-        <p:nvSpPr>
-          <p:cNvPr id="4" name="Date Placeholder 3">
-            <a:extLst>
-              <a:ext uri="{FF2B5EF4-FFF2-40B4-BE49-F238E27FC236}">
-                <a16:creationId xmlns:a16="http://schemas.microsoft.com/office/drawing/2014/main" id="{911E444C-CAB8-6B42-857A-CA70D5BFB722}"/>
-              </a:ext>
-            </a:extLst>
-          </p:cNvPr>
+            <a:endParaRPr lang="en-US" dirty="0"/>
+          </a:p>
+        </p:txBody>
+      </p:sp>
+      <p:sp>
+        <p:nvSpPr>
+          <p:cNvPr id="4" name="Date Placeholder 3"/>
           <p:cNvSpPr>
             <a:spLocks noGrp="1"/>
           </p:cNvSpPr>
@@ -459,7 +416,7 @@
           <a:p>
             <a:fld id="{D620AE5E-D42F-6C47-8D07-C049B20C1F89}" type="datetimeFigureOut">
               <a:rPr lang="en-US" smtClean="0"/>
-              <a:t>8/6/21</a:t>
+              <a:t>3/3/22</a:t>
             </a:fld>
             <a:endParaRPr lang="en-US"/>
           </a:p>
@@ -467,13 +424,7 @@
       </p:sp>
       <p:sp>
         <p:nvSpPr>
-          <p:cNvPr id="5" name="Footer Placeholder 4">
-            <a:extLst>
-              <a:ext uri="{FF2B5EF4-FFF2-40B4-BE49-F238E27FC236}">
-                <a16:creationId xmlns:a16="http://schemas.microsoft.com/office/drawing/2014/main" id="{B314E1F0-E0BF-8B40-89FF-85A53121DF83}"/>
-              </a:ext>
-            </a:extLst>
-          </p:cNvPr>
+          <p:cNvPr id="5" name="Footer Placeholder 4"/>
           <p:cNvSpPr>
             <a:spLocks noGrp="1"/>
           </p:cNvSpPr>
@@ -492,13 +443,7 @@
       </p:sp>
       <p:sp>
         <p:nvSpPr>
-          <p:cNvPr id="6" name="Slide Number Placeholder 5">
-            <a:extLst>
-              <a:ext uri="{FF2B5EF4-FFF2-40B4-BE49-F238E27FC236}">
-                <a16:creationId xmlns:a16="http://schemas.microsoft.com/office/drawing/2014/main" id="{374973E3-7FCF-464C-A071-9C89BBB24F35}"/>
-              </a:ext>
-            </a:extLst>
-          </p:cNvPr>
+          <p:cNvPr id="6" name="Slide Number Placeholder 5"/>
           <p:cNvSpPr>
             <a:spLocks noGrp="1"/>
           </p:cNvSpPr>
@@ -522,7 +467,7 @@
     </p:spTree>
     <p:extLst>
       <p:ext uri="{BB962C8B-B14F-4D97-AF65-F5344CB8AC3E}">
-        <p14:creationId xmlns:p14="http://schemas.microsoft.com/office/powerpoint/2010/main" val="328059588"/>
+        <p14:creationId xmlns:p14="http://schemas.microsoft.com/office/powerpoint/2010/main" val="2220245436"/>
       </p:ext>
     </p:extLst>
   </p:cSld>
@@ -551,13 +496,7 @@
       </p:grpSpPr>
       <p:sp>
         <p:nvSpPr>
-          <p:cNvPr id="2" name="Vertical Title 1">
-            <a:extLst>
-              <a:ext uri="{FF2B5EF4-FFF2-40B4-BE49-F238E27FC236}">
-                <a16:creationId xmlns:a16="http://schemas.microsoft.com/office/drawing/2014/main" id="{A274F703-92BE-0843-9B8C-0350D5717E57}"/>
-              </a:ext>
-            </a:extLst>
-          </p:cNvPr>
+          <p:cNvPr id="2" name="Vertical Title 1"/>
           <p:cNvSpPr>
             <a:spLocks noGrp="1"/>
           </p:cNvSpPr>
@@ -567,8 +506,8 @@
         </p:nvSpPr>
         <p:spPr>
           <a:xfrm>
-            <a:off x="8724900" y="365125"/>
-            <a:ext cx="2628900" cy="5811838"/>
+            <a:off x="6543675" y="365125"/>
+            <a:ext cx="1971675" cy="5811838"/>
           </a:xfrm>
         </p:spPr>
         <p:txBody>
@@ -579,18 +518,13 @@
               <a:rPr lang="en-US"/>
               <a:t>Click to edit Master title style</a:t>
             </a:r>
-          </a:p>
-        </p:txBody>
-      </p:sp>
-      <p:sp>
-        <p:nvSpPr>
-          <p:cNvPr id="3" name="Vertical Text Placeholder 2">
-            <a:extLst>
-              <a:ext uri="{FF2B5EF4-FFF2-40B4-BE49-F238E27FC236}">
-                <a16:creationId xmlns:a16="http://schemas.microsoft.com/office/drawing/2014/main" id="{CA377529-2F37-C94F-A6FE-5A2692C9C726}"/>
-              </a:ext>
-            </a:extLst>
-          </p:cNvPr>
+            <a:endParaRPr lang="en-US" dirty="0"/>
+          </a:p>
+        </p:txBody>
+      </p:sp>
+      <p:sp>
+        <p:nvSpPr>
+          <p:cNvPr id="3" name="Vertical Text Placeholder 2"/>
           <p:cNvSpPr>
             <a:spLocks noGrp="1"/>
           </p:cNvSpPr>
@@ -600,8 +534,8 @@
         </p:nvSpPr>
         <p:spPr>
           <a:xfrm>
-            <a:off x="838200" y="365125"/>
-            <a:ext cx="7734300" cy="5811838"/>
+            <a:off x="628650" y="365125"/>
+            <a:ext cx="5800725" cy="5811838"/>
           </a:xfrm>
         </p:spPr>
         <p:txBody>
@@ -641,18 +575,13 @@
               <a:rPr lang="en-US"/>
               <a:t>Fifth level</a:t>
             </a:r>
-          </a:p>
-        </p:txBody>
-      </p:sp>
-      <p:sp>
-        <p:nvSpPr>
-          <p:cNvPr id="4" name="Date Placeholder 3">
-            <a:extLst>
-              <a:ext uri="{FF2B5EF4-FFF2-40B4-BE49-F238E27FC236}">
-                <a16:creationId xmlns:a16="http://schemas.microsoft.com/office/drawing/2014/main" id="{95D350F3-B5BA-2041-8F09-3971A5DBE1EE}"/>
-              </a:ext>
-            </a:extLst>
-          </p:cNvPr>
+            <a:endParaRPr lang="en-US" dirty="0"/>
+          </a:p>
+        </p:txBody>
+      </p:sp>
+      <p:sp>
+        <p:nvSpPr>
+          <p:cNvPr id="4" name="Date Placeholder 3"/>
           <p:cNvSpPr>
             <a:spLocks noGrp="1"/>
           </p:cNvSpPr>
@@ -667,7 +596,7 @@
           <a:p>
             <a:fld id="{D620AE5E-D42F-6C47-8D07-C049B20C1F89}" type="datetimeFigureOut">
               <a:rPr lang="en-US" smtClean="0"/>
-              <a:t>8/6/21</a:t>
+              <a:t>3/3/22</a:t>
             </a:fld>
             <a:endParaRPr lang="en-US"/>
           </a:p>
@@ -675,13 +604,7 @@
       </p:sp>
       <p:sp>
         <p:nvSpPr>
-          <p:cNvPr id="5" name="Footer Placeholder 4">
-            <a:extLst>
-              <a:ext uri="{FF2B5EF4-FFF2-40B4-BE49-F238E27FC236}">
-                <a16:creationId xmlns:a16="http://schemas.microsoft.com/office/drawing/2014/main" id="{307BDE31-7D50-0E48-83A8-26D783BBF289}"/>
-              </a:ext>
-            </a:extLst>
-          </p:cNvPr>
+          <p:cNvPr id="5" name="Footer Placeholder 4"/>
           <p:cNvSpPr>
             <a:spLocks noGrp="1"/>
           </p:cNvSpPr>
@@ -700,13 +623,7 @@
       </p:sp>
       <p:sp>
         <p:nvSpPr>
-          <p:cNvPr id="6" name="Slide Number Placeholder 5">
-            <a:extLst>
-              <a:ext uri="{FF2B5EF4-FFF2-40B4-BE49-F238E27FC236}">
-                <a16:creationId xmlns:a16="http://schemas.microsoft.com/office/drawing/2014/main" id="{CDEBEA68-ECA5-104C-914F-4B1D0C968D8B}"/>
-              </a:ext>
-            </a:extLst>
-          </p:cNvPr>
+          <p:cNvPr id="6" name="Slide Number Placeholder 5"/>
           <p:cNvSpPr>
             <a:spLocks noGrp="1"/>
           </p:cNvSpPr>
@@ -730,7 +647,7 @@
     </p:spTree>
     <p:extLst>
       <p:ext uri="{BB962C8B-B14F-4D97-AF65-F5344CB8AC3E}">
-        <p14:creationId xmlns:p14="http://schemas.microsoft.com/office/powerpoint/2010/main" val="3522236882"/>
+        <p14:creationId xmlns:p14="http://schemas.microsoft.com/office/powerpoint/2010/main" val="1496923764"/>
       </p:ext>
     </p:extLst>
   </p:cSld>
@@ -759,13 +676,7 @@
       </p:grpSpPr>
       <p:sp>
         <p:nvSpPr>
-          <p:cNvPr id="2" name="Title 1">
-            <a:extLst>
-              <a:ext uri="{FF2B5EF4-FFF2-40B4-BE49-F238E27FC236}">
-                <a16:creationId xmlns:a16="http://schemas.microsoft.com/office/drawing/2014/main" id="{1553BB4A-CE7F-FB40-A452-53ED4FACA487}"/>
-              </a:ext>
-            </a:extLst>
-          </p:cNvPr>
+          <p:cNvPr id="2" name="Title 1"/>
           <p:cNvSpPr>
             <a:spLocks noGrp="1"/>
           </p:cNvSpPr>
@@ -782,18 +693,13 @@
               <a:rPr lang="en-US"/>
               <a:t>Click to edit Master title style</a:t>
             </a:r>
-          </a:p>
-        </p:txBody>
-      </p:sp>
-      <p:sp>
-        <p:nvSpPr>
-          <p:cNvPr id="3" name="Content Placeholder 2">
-            <a:extLst>
-              <a:ext uri="{FF2B5EF4-FFF2-40B4-BE49-F238E27FC236}">
-                <a16:creationId xmlns:a16="http://schemas.microsoft.com/office/drawing/2014/main" id="{90AE04A9-827E-F64C-A084-1CC604875AC8}"/>
-              </a:ext>
-            </a:extLst>
-          </p:cNvPr>
+            <a:endParaRPr lang="en-US" dirty="0"/>
+          </a:p>
+        </p:txBody>
+      </p:sp>
+      <p:sp>
+        <p:nvSpPr>
+          <p:cNvPr id="3" name="Content Placeholder 2"/>
           <p:cNvSpPr>
             <a:spLocks noGrp="1"/>
           </p:cNvSpPr>
@@ -839,18 +745,13 @@
               <a:rPr lang="en-US"/>
               <a:t>Fifth level</a:t>
             </a:r>
-          </a:p>
-        </p:txBody>
-      </p:sp>
-      <p:sp>
-        <p:nvSpPr>
-          <p:cNvPr id="4" name="Date Placeholder 3">
-            <a:extLst>
-              <a:ext uri="{FF2B5EF4-FFF2-40B4-BE49-F238E27FC236}">
-                <a16:creationId xmlns:a16="http://schemas.microsoft.com/office/drawing/2014/main" id="{FB1A5287-4A27-B244-B739-66A5279FCC38}"/>
-              </a:ext>
-            </a:extLst>
-          </p:cNvPr>
+            <a:endParaRPr lang="en-US" dirty="0"/>
+          </a:p>
+        </p:txBody>
+      </p:sp>
+      <p:sp>
+        <p:nvSpPr>
+          <p:cNvPr id="4" name="Date Placeholder 3"/>
           <p:cNvSpPr>
             <a:spLocks noGrp="1"/>
           </p:cNvSpPr>
@@ -865,7 +766,7 @@
           <a:p>
             <a:fld id="{D620AE5E-D42F-6C47-8D07-C049B20C1F89}" type="datetimeFigureOut">
               <a:rPr lang="en-US" smtClean="0"/>
-              <a:t>8/6/21</a:t>
+              <a:t>3/3/22</a:t>
             </a:fld>
             <a:endParaRPr lang="en-US"/>
           </a:p>
@@ -873,13 +774,7 @@
       </p:sp>
       <p:sp>
         <p:nvSpPr>
-          <p:cNvPr id="5" name="Footer Placeholder 4">
-            <a:extLst>
-              <a:ext uri="{FF2B5EF4-FFF2-40B4-BE49-F238E27FC236}">
-                <a16:creationId xmlns:a16="http://schemas.microsoft.com/office/drawing/2014/main" id="{8272CE8E-BE01-5641-B131-418088C19084}"/>
-              </a:ext>
-            </a:extLst>
-          </p:cNvPr>
+          <p:cNvPr id="5" name="Footer Placeholder 4"/>
           <p:cNvSpPr>
             <a:spLocks noGrp="1"/>
           </p:cNvSpPr>
@@ -898,13 +793,7 @@
       </p:sp>
       <p:sp>
         <p:nvSpPr>
-          <p:cNvPr id="6" name="Slide Number Placeholder 5">
-            <a:extLst>
-              <a:ext uri="{FF2B5EF4-FFF2-40B4-BE49-F238E27FC236}">
-                <a16:creationId xmlns:a16="http://schemas.microsoft.com/office/drawing/2014/main" id="{7A820997-C68E-1C4E-8435-F14B40FF408E}"/>
-              </a:ext>
-            </a:extLst>
-          </p:cNvPr>
+          <p:cNvPr id="6" name="Slide Number Placeholder 5"/>
           <p:cNvSpPr>
             <a:spLocks noGrp="1"/>
           </p:cNvSpPr>
@@ -928,7 +817,7 @@
     </p:spTree>
     <p:extLst>
       <p:ext uri="{BB962C8B-B14F-4D97-AF65-F5344CB8AC3E}">
-        <p14:creationId xmlns:p14="http://schemas.microsoft.com/office/powerpoint/2010/main" val="3977871995"/>
+        <p14:creationId xmlns:p14="http://schemas.microsoft.com/office/powerpoint/2010/main" val="3390106693"/>
       </p:ext>
     </p:extLst>
   </p:cSld>
@@ -957,13 +846,7 @@
       </p:grpSpPr>
       <p:sp>
         <p:nvSpPr>
-          <p:cNvPr id="2" name="Title 1">
-            <a:extLst>
-              <a:ext uri="{FF2B5EF4-FFF2-40B4-BE49-F238E27FC236}">
-                <a16:creationId xmlns:a16="http://schemas.microsoft.com/office/drawing/2014/main" id="{258921BE-7729-0A46-AB1E-A40EF45DDDF5}"/>
-              </a:ext>
-            </a:extLst>
-          </p:cNvPr>
+          <p:cNvPr id="2" name="Title 1"/>
           <p:cNvSpPr>
             <a:spLocks noGrp="1"/>
           </p:cNvSpPr>
@@ -973,8 +856,8 @@
         </p:nvSpPr>
         <p:spPr>
           <a:xfrm>
-            <a:off x="831850" y="1709738"/>
-            <a:ext cx="10515600" cy="2852737"/>
+            <a:off x="623888" y="1709739"/>
+            <a:ext cx="7886700" cy="2852737"/>
           </a:xfrm>
         </p:spPr>
         <p:txBody>
@@ -989,18 +872,13 @@
               <a:rPr lang="en-US"/>
               <a:t>Click to edit Master title style</a:t>
             </a:r>
-          </a:p>
-        </p:txBody>
-      </p:sp>
-      <p:sp>
-        <p:nvSpPr>
-          <p:cNvPr id="3" name="Text Placeholder 2">
-            <a:extLst>
-              <a:ext uri="{FF2B5EF4-FFF2-40B4-BE49-F238E27FC236}">
-                <a16:creationId xmlns:a16="http://schemas.microsoft.com/office/drawing/2014/main" id="{D57992DD-888B-2146-B6C1-1E9BFB71F646}"/>
-              </a:ext>
-            </a:extLst>
-          </p:cNvPr>
+            <a:endParaRPr lang="en-US" dirty="0"/>
+          </a:p>
+        </p:txBody>
+      </p:sp>
+      <p:sp>
+        <p:nvSpPr>
+          <p:cNvPr id="3" name="Text Placeholder 2"/>
           <p:cNvSpPr>
             <a:spLocks noGrp="1"/>
           </p:cNvSpPr>
@@ -1010,8 +888,8 @@
         </p:nvSpPr>
         <p:spPr>
           <a:xfrm>
-            <a:off x="831850" y="4589463"/>
-            <a:ext cx="10515600" cy="1500187"/>
+            <a:off x="623888" y="4589464"/>
+            <a:ext cx="7886700" cy="1500187"/>
           </a:xfrm>
         </p:spPr>
         <p:txBody>
@@ -1021,9 +899,7 @@
               <a:buNone/>
               <a:defRPr sz="2400">
                 <a:solidFill>
-                  <a:schemeClr val="tx1">
-                    <a:tint val="75000"/>
-                  </a:schemeClr>
+                  <a:schemeClr val="tx1"/>
                 </a:solidFill>
               </a:defRPr>
             </a:lvl1pPr>
@@ -1119,13 +995,7 @@
       </p:sp>
       <p:sp>
         <p:nvSpPr>
-          <p:cNvPr id="4" name="Date Placeholder 3">
-            <a:extLst>
-              <a:ext uri="{FF2B5EF4-FFF2-40B4-BE49-F238E27FC236}">
-                <a16:creationId xmlns:a16="http://schemas.microsoft.com/office/drawing/2014/main" id="{2A4209B3-B14D-5B45-9C84-BF8702C79BA7}"/>
-              </a:ext>
-            </a:extLst>
-          </p:cNvPr>
+          <p:cNvPr id="4" name="Date Placeholder 3"/>
           <p:cNvSpPr>
             <a:spLocks noGrp="1"/>
           </p:cNvSpPr>
@@ -1140,7 +1010,7 @@
           <a:p>
             <a:fld id="{D620AE5E-D42F-6C47-8D07-C049B20C1F89}" type="datetimeFigureOut">
               <a:rPr lang="en-US" smtClean="0"/>
-              <a:t>8/6/21</a:t>
+              <a:t>3/3/22</a:t>
             </a:fld>
             <a:endParaRPr lang="en-US"/>
           </a:p>
@@ -1148,13 +1018,7 @@
       </p:sp>
       <p:sp>
         <p:nvSpPr>
-          <p:cNvPr id="5" name="Footer Placeholder 4">
-            <a:extLst>
-              <a:ext uri="{FF2B5EF4-FFF2-40B4-BE49-F238E27FC236}">
-                <a16:creationId xmlns:a16="http://schemas.microsoft.com/office/drawing/2014/main" id="{303E0910-5E3C-FB49-ACA2-134B2085DD5A}"/>
-              </a:ext>
-            </a:extLst>
-          </p:cNvPr>
+          <p:cNvPr id="5" name="Footer Placeholder 4"/>
           <p:cNvSpPr>
             <a:spLocks noGrp="1"/>
           </p:cNvSpPr>
@@ -1173,13 +1037,7 @@
       </p:sp>
       <p:sp>
         <p:nvSpPr>
-          <p:cNvPr id="6" name="Slide Number Placeholder 5">
-            <a:extLst>
-              <a:ext uri="{FF2B5EF4-FFF2-40B4-BE49-F238E27FC236}">
-                <a16:creationId xmlns:a16="http://schemas.microsoft.com/office/drawing/2014/main" id="{8394892A-7983-F644-B8DB-5E458B110228}"/>
-              </a:ext>
-            </a:extLst>
-          </p:cNvPr>
+          <p:cNvPr id="6" name="Slide Number Placeholder 5"/>
           <p:cNvSpPr>
             <a:spLocks noGrp="1"/>
           </p:cNvSpPr>
@@ -1203,7 +1061,7 @@
     </p:spTree>
     <p:extLst>
       <p:ext uri="{BB962C8B-B14F-4D97-AF65-F5344CB8AC3E}">
-        <p14:creationId xmlns:p14="http://schemas.microsoft.com/office/powerpoint/2010/main" val="3083624268"/>
+        <p14:creationId xmlns:p14="http://schemas.microsoft.com/office/powerpoint/2010/main" val="3341817254"/>
       </p:ext>
     </p:extLst>
   </p:cSld>
@@ -1232,13 +1090,7 @@
       </p:grpSpPr>
       <p:sp>
         <p:nvSpPr>
-          <p:cNvPr id="2" name="Title 1">
-            <a:extLst>
-              <a:ext uri="{FF2B5EF4-FFF2-40B4-BE49-F238E27FC236}">
-                <a16:creationId xmlns:a16="http://schemas.microsoft.com/office/drawing/2014/main" id="{80B22A6C-DB99-734D-AB7C-B7AE4EB9C044}"/>
-              </a:ext>
-            </a:extLst>
-          </p:cNvPr>
+          <p:cNvPr id="2" name="Title 1"/>
           <p:cNvSpPr>
             <a:spLocks noGrp="1"/>
           </p:cNvSpPr>
@@ -1255,18 +1107,13 @@
               <a:rPr lang="en-US"/>
               <a:t>Click to edit Master title style</a:t>
             </a:r>
-          </a:p>
-        </p:txBody>
-      </p:sp>
-      <p:sp>
-        <p:nvSpPr>
-          <p:cNvPr id="3" name="Content Placeholder 2">
-            <a:extLst>
-              <a:ext uri="{FF2B5EF4-FFF2-40B4-BE49-F238E27FC236}">
-                <a16:creationId xmlns:a16="http://schemas.microsoft.com/office/drawing/2014/main" id="{645898C7-4F6B-F14C-A052-EFD3DC89506F}"/>
-              </a:ext>
-            </a:extLst>
-          </p:cNvPr>
+            <a:endParaRPr lang="en-US" dirty="0"/>
+          </a:p>
+        </p:txBody>
+      </p:sp>
+      <p:sp>
+        <p:nvSpPr>
+          <p:cNvPr id="3" name="Content Placeholder 2"/>
           <p:cNvSpPr>
             <a:spLocks noGrp="1"/>
           </p:cNvSpPr>
@@ -1276,8 +1123,8 @@
         </p:nvSpPr>
         <p:spPr>
           <a:xfrm>
-            <a:off x="838200" y="1825625"/>
-            <a:ext cx="5181600" cy="4351338"/>
+            <a:off x="628650" y="1825625"/>
+            <a:ext cx="3886200" cy="4351338"/>
           </a:xfrm>
         </p:spPr>
         <p:txBody>
@@ -1317,18 +1164,13 @@
               <a:rPr lang="en-US"/>
               <a:t>Fifth level</a:t>
             </a:r>
-          </a:p>
-        </p:txBody>
-      </p:sp>
-      <p:sp>
-        <p:nvSpPr>
-          <p:cNvPr id="4" name="Content Placeholder 3">
-            <a:extLst>
-              <a:ext uri="{FF2B5EF4-FFF2-40B4-BE49-F238E27FC236}">
-                <a16:creationId xmlns:a16="http://schemas.microsoft.com/office/drawing/2014/main" id="{3BA7CDE4-E93E-B14A-BCF3-C656414424FC}"/>
-              </a:ext>
-            </a:extLst>
-          </p:cNvPr>
+            <a:endParaRPr lang="en-US" dirty="0"/>
+          </a:p>
+        </p:txBody>
+      </p:sp>
+      <p:sp>
+        <p:nvSpPr>
+          <p:cNvPr id="4" name="Content Placeholder 3"/>
           <p:cNvSpPr>
             <a:spLocks noGrp="1"/>
           </p:cNvSpPr>
@@ -1338,8 +1180,8 @@
         </p:nvSpPr>
         <p:spPr>
           <a:xfrm>
-            <a:off x="6172200" y="1825625"/>
-            <a:ext cx="5181600" cy="4351338"/>
+            <a:off x="4629150" y="1825625"/>
+            <a:ext cx="3886200" cy="4351338"/>
           </a:xfrm>
         </p:spPr>
         <p:txBody>
@@ -1379,18 +1221,13 @@
               <a:rPr lang="en-US"/>
               <a:t>Fifth level</a:t>
             </a:r>
-          </a:p>
-        </p:txBody>
-      </p:sp>
-      <p:sp>
-        <p:nvSpPr>
-          <p:cNvPr id="5" name="Date Placeholder 4">
-            <a:extLst>
-              <a:ext uri="{FF2B5EF4-FFF2-40B4-BE49-F238E27FC236}">
-                <a16:creationId xmlns:a16="http://schemas.microsoft.com/office/drawing/2014/main" id="{17B20DD7-DE28-D642-A78C-9D56084B892A}"/>
-              </a:ext>
-            </a:extLst>
-          </p:cNvPr>
+            <a:endParaRPr lang="en-US" dirty="0"/>
+          </a:p>
+        </p:txBody>
+      </p:sp>
+      <p:sp>
+        <p:nvSpPr>
+          <p:cNvPr id="5" name="Date Placeholder 4"/>
           <p:cNvSpPr>
             <a:spLocks noGrp="1"/>
           </p:cNvSpPr>
@@ -1405,7 +1242,7 @@
           <a:p>
             <a:fld id="{D620AE5E-D42F-6C47-8D07-C049B20C1F89}" type="datetimeFigureOut">
               <a:rPr lang="en-US" smtClean="0"/>
-              <a:t>8/6/21</a:t>
+              <a:t>3/3/22</a:t>
             </a:fld>
             <a:endParaRPr lang="en-US"/>
           </a:p>
@@ -1413,13 +1250,7 @@
       </p:sp>
       <p:sp>
         <p:nvSpPr>
-          <p:cNvPr id="6" name="Footer Placeholder 5">
-            <a:extLst>
-              <a:ext uri="{FF2B5EF4-FFF2-40B4-BE49-F238E27FC236}">
-                <a16:creationId xmlns:a16="http://schemas.microsoft.com/office/drawing/2014/main" id="{B0816209-9A91-A14E-AD04-8A041CCAD4C7}"/>
-              </a:ext>
-            </a:extLst>
-          </p:cNvPr>
+          <p:cNvPr id="6" name="Footer Placeholder 5"/>
           <p:cNvSpPr>
             <a:spLocks noGrp="1"/>
           </p:cNvSpPr>
@@ -1438,13 +1269,7 @@
       </p:sp>
       <p:sp>
         <p:nvSpPr>
-          <p:cNvPr id="7" name="Slide Number Placeholder 6">
-            <a:extLst>
-              <a:ext uri="{FF2B5EF4-FFF2-40B4-BE49-F238E27FC236}">
-                <a16:creationId xmlns:a16="http://schemas.microsoft.com/office/drawing/2014/main" id="{0365DB9F-0458-A447-A17C-9FDBD6A3A77F}"/>
-              </a:ext>
-            </a:extLst>
-          </p:cNvPr>
+          <p:cNvPr id="7" name="Slide Number Placeholder 6"/>
           <p:cNvSpPr>
             <a:spLocks noGrp="1"/>
           </p:cNvSpPr>
@@ -1468,7 +1293,7 @@
     </p:spTree>
     <p:extLst>
       <p:ext uri="{BB962C8B-B14F-4D97-AF65-F5344CB8AC3E}">
-        <p14:creationId xmlns:p14="http://schemas.microsoft.com/office/powerpoint/2010/main" val="2999132451"/>
+        <p14:creationId xmlns:p14="http://schemas.microsoft.com/office/powerpoint/2010/main" val="970819536"/>
       </p:ext>
     </p:extLst>
   </p:cSld>
@@ -1497,13 +1322,7 @@
       </p:grpSpPr>
       <p:sp>
         <p:nvSpPr>
-          <p:cNvPr id="2" name="Title 1">
-            <a:extLst>
-              <a:ext uri="{FF2B5EF4-FFF2-40B4-BE49-F238E27FC236}">
-                <a16:creationId xmlns:a16="http://schemas.microsoft.com/office/drawing/2014/main" id="{EF729ED8-079F-CE49-B027-703A414C1FDC}"/>
-              </a:ext>
-            </a:extLst>
-          </p:cNvPr>
+          <p:cNvPr id="2" name="Title 1"/>
           <p:cNvSpPr>
             <a:spLocks noGrp="1"/>
           </p:cNvSpPr>
@@ -1513,8 +1332,8 @@
         </p:nvSpPr>
         <p:spPr>
           <a:xfrm>
-            <a:off x="839788" y="365125"/>
-            <a:ext cx="10515600" cy="1325563"/>
+            <a:off x="629841" y="365126"/>
+            <a:ext cx="7886700" cy="1325563"/>
           </a:xfrm>
         </p:spPr>
         <p:txBody>
@@ -1525,18 +1344,13 @@
               <a:rPr lang="en-US"/>
               <a:t>Click to edit Master title style</a:t>
             </a:r>
-          </a:p>
-        </p:txBody>
-      </p:sp>
-      <p:sp>
-        <p:nvSpPr>
-          <p:cNvPr id="3" name="Text Placeholder 2">
-            <a:extLst>
-              <a:ext uri="{FF2B5EF4-FFF2-40B4-BE49-F238E27FC236}">
-                <a16:creationId xmlns:a16="http://schemas.microsoft.com/office/drawing/2014/main" id="{F800FECF-A92D-6E46-82D2-9FEDEDEBAC47}"/>
-              </a:ext>
-            </a:extLst>
-          </p:cNvPr>
+            <a:endParaRPr lang="en-US" dirty="0"/>
+          </a:p>
+        </p:txBody>
+      </p:sp>
+      <p:sp>
+        <p:nvSpPr>
+          <p:cNvPr id="3" name="Text Placeholder 2"/>
           <p:cNvSpPr>
             <a:spLocks noGrp="1"/>
           </p:cNvSpPr>
@@ -1546,8 +1360,8 @@
         </p:nvSpPr>
         <p:spPr>
           <a:xfrm>
-            <a:off x="839788" y="1681163"/>
-            <a:ext cx="5157787" cy="823912"/>
+            <a:off x="629842" y="1681163"/>
+            <a:ext cx="3868340" cy="823912"/>
           </a:xfrm>
         </p:spPr>
         <p:txBody>
@@ -1601,13 +1415,7 @@
       </p:sp>
       <p:sp>
         <p:nvSpPr>
-          <p:cNvPr id="4" name="Content Placeholder 3">
-            <a:extLst>
-              <a:ext uri="{FF2B5EF4-FFF2-40B4-BE49-F238E27FC236}">
-                <a16:creationId xmlns:a16="http://schemas.microsoft.com/office/drawing/2014/main" id="{EFFEB329-9AA8-1B4C-BE19-D24CE842E9BE}"/>
-              </a:ext>
-            </a:extLst>
-          </p:cNvPr>
+          <p:cNvPr id="4" name="Content Placeholder 3"/>
           <p:cNvSpPr>
             <a:spLocks noGrp="1"/>
           </p:cNvSpPr>
@@ -1617,8 +1425,8 @@
         </p:nvSpPr>
         <p:spPr>
           <a:xfrm>
-            <a:off x="839788" y="2505075"/>
-            <a:ext cx="5157787" cy="3684588"/>
+            <a:off x="629842" y="2505075"/>
+            <a:ext cx="3868340" cy="3684588"/>
           </a:xfrm>
         </p:spPr>
         <p:txBody>
@@ -1658,18 +1466,13 @@
               <a:rPr lang="en-US"/>
               <a:t>Fifth level</a:t>
             </a:r>
-          </a:p>
-        </p:txBody>
-      </p:sp>
-      <p:sp>
-        <p:nvSpPr>
-          <p:cNvPr id="5" name="Text Placeholder 4">
-            <a:extLst>
-              <a:ext uri="{FF2B5EF4-FFF2-40B4-BE49-F238E27FC236}">
-                <a16:creationId xmlns:a16="http://schemas.microsoft.com/office/drawing/2014/main" id="{2D17A167-4B66-DA4E-8EC2-A91AF0E6A398}"/>
-              </a:ext>
-            </a:extLst>
-          </p:cNvPr>
+            <a:endParaRPr lang="en-US" dirty="0"/>
+          </a:p>
+        </p:txBody>
+      </p:sp>
+      <p:sp>
+        <p:nvSpPr>
+          <p:cNvPr id="5" name="Text Placeholder 4"/>
           <p:cNvSpPr>
             <a:spLocks noGrp="1"/>
           </p:cNvSpPr>
@@ -1679,8 +1482,8 @@
         </p:nvSpPr>
         <p:spPr>
           <a:xfrm>
-            <a:off x="6172200" y="1681163"/>
-            <a:ext cx="5183188" cy="823912"/>
+            <a:off x="4629150" y="1681163"/>
+            <a:ext cx="3887391" cy="823912"/>
           </a:xfrm>
         </p:spPr>
         <p:txBody>
@@ -1734,13 +1537,7 @@
       </p:sp>
       <p:sp>
         <p:nvSpPr>
-          <p:cNvPr id="6" name="Content Placeholder 5">
-            <a:extLst>
-              <a:ext uri="{FF2B5EF4-FFF2-40B4-BE49-F238E27FC236}">
-                <a16:creationId xmlns:a16="http://schemas.microsoft.com/office/drawing/2014/main" id="{F09808D4-49A0-EB43-9977-CA61E8134B62}"/>
-              </a:ext>
-            </a:extLst>
-          </p:cNvPr>
+          <p:cNvPr id="6" name="Content Placeholder 5"/>
           <p:cNvSpPr>
             <a:spLocks noGrp="1"/>
           </p:cNvSpPr>
@@ -1750,8 +1547,8 @@
         </p:nvSpPr>
         <p:spPr>
           <a:xfrm>
-            <a:off x="6172200" y="2505075"/>
-            <a:ext cx="5183188" cy="3684588"/>
+            <a:off x="4629150" y="2505075"/>
+            <a:ext cx="3887391" cy="3684588"/>
           </a:xfrm>
         </p:spPr>
         <p:txBody>
@@ -1791,18 +1588,13 @@
               <a:rPr lang="en-US"/>
               <a:t>Fifth level</a:t>
             </a:r>
-          </a:p>
-        </p:txBody>
-      </p:sp>
-      <p:sp>
-        <p:nvSpPr>
-          <p:cNvPr id="7" name="Date Placeholder 6">
-            <a:extLst>
-              <a:ext uri="{FF2B5EF4-FFF2-40B4-BE49-F238E27FC236}">
-                <a16:creationId xmlns:a16="http://schemas.microsoft.com/office/drawing/2014/main" id="{04C1EF49-5686-1D4B-A6DD-D8D0860F7B57}"/>
-              </a:ext>
-            </a:extLst>
-          </p:cNvPr>
+            <a:endParaRPr lang="en-US" dirty="0"/>
+          </a:p>
+        </p:txBody>
+      </p:sp>
+      <p:sp>
+        <p:nvSpPr>
+          <p:cNvPr id="7" name="Date Placeholder 6"/>
           <p:cNvSpPr>
             <a:spLocks noGrp="1"/>
           </p:cNvSpPr>
@@ -1817,7 +1609,7 @@
           <a:p>
             <a:fld id="{D620AE5E-D42F-6C47-8D07-C049B20C1F89}" type="datetimeFigureOut">
               <a:rPr lang="en-US" smtClean="0"/>
-              <a:t>8/6/21</a:t>
+              <a:t>3/3/22</a:t>
             </a:fld>
             <a:endParaRPr lang="en-US"/>
           </a:p>
@@ -1825,13 +1617,7 @@
       </p:sp>
       <p:sp>
         <p:nvSpPr>
-          <p:cNvPr id="8" name="Footer Placeholder 7">
-            <a:extLst>
-              <a:ext uri="{FF2B5EF4-FFF2-40B4-BE49-F238E27FC236}">
-                <a16:creationId xmlns:a16="http://schemas.microsoft.com/office/drawing/2014/main" id="{41F0B2B4-E035-BD45-A4CE-B5EAF22C2D84}"/>
-              </a:ext>
-            </a:extLst>
-          </p:cNvPr>
+          <p:cNvPr id="8" name="Footer Placeholder 7"/>
           <p:cNvSpPr>
             <a:spLocks noGrp="1"/>
           </p:cNvSpPr>
@@ -1850,13 +1636,7 @@
       </p:sp>
       <p:sp>
         <p:nvSpPr>
-          <p:cNvPr id="9" name="Slide Number Placeholder 8">
-            <a:extLst>
-              <a:ext uri="{FF2B5EF4-FFF2-40B4-BE49-F238E27FC236}">
-                <a16:creationId xmlns:a16="http://schemas.microsoft.com/office/drawing/2014/main" id="{43BD4127-A507-4E4F-909B-AC321599CA34}"/>
-              </a:ext>
-            </a:extLst>
-          </p:cNvPr>
+          <p:cNvPr id="9" name="Slide Number Placeholder 8"/>
           <p:cNvSpPr>
             <a:spLocks noGrp="1"/>
           </p:cNvSpPr>
@@ -1880,7 +1660,7 @@
     </p:spTree>
     <p:extLst>
       <p:ext uri="{BB962C8B-B14F-4D97-AF65-F5344CB8AC3E}">
-        <p14:creationId xmlns:p14="http://schemas.microsoft.com/office/powerpoint/2010/main" val="2244963082"/>
+        <p14:creationId xmlns:p14="http://schemas.microsoft.com/office/powerpoint/2010/main" val="3759585129"/>
       </p:ext>
     </p:extLst>
   </p:cSld>
@@ -1909,13 +1689,7 @@
       </p:grpSpPr>
       <p:sp>
         <p:nvSpPr>
-          <p:cNvPr id="2" name="Title 1">
-            <a:extLst>
-              <a:ext uri="{FF2B5EF4-FFF2-40B4-BE49-F238E27FC236}">
-                <a16:creationId xmlns:a16="http://schemas.microsoft.com/office/drawing/2014/main" id="{B157500F-B3E2-1A49-97AE-4188CDF31DF3}"/>
-              </a:ext>
-            </a:extLst>
-          </p:cNvPr>
+          <p:cNvPr id="2" name="Title 1"/>
           <p:cNvSpPr>
             <a:spLocks noGrp="1"/>
           </p:cNvSpPr>
@@ -1932,18 +1706,13 @@
               <a:rPr lang="en-US"/>
               <a:t>Click to edit Master title style</a:t>
             </a:r>
-          </a:p>
-        </p:txBody>
-      </p:sp>
-      <p:sp>
-        <p:nvSpPr>
-          <p:cNvPr id="3" name="Date Placeholder 2">
-            <a:extLst>
-              <a:ext uri="{FF2B5EF4-FFF2-40B4-BE49-F238E27FC236}">
-                <a16:creationId xmlns:a16="http://schemas.microsoft.com/office/drawing/2014/main" id="{E172CD5A-8912-0245-BF3C-8D275E5FEB83}"/>
-              </a:ext>
-            </a:extLst>
-          </p:cNvPr>
+            <a:endParaRPr lang="en-US" dirty="0"/>
+          </a:p>
+        </p:txBody>
+      </p:sp>
+      <p:sp>
+        <p:nvSpPr>
+          <p:cNvPr id="3" name="Date Placeholder 2"/>
           <p:cNvSpPr>
             <a:spLocks noGrp="1"/>
           </p:cNvSpPr>
@@ -1958,7 +1727,7 @@
           <a:p>
             <a:fld id="{D620AE5E-D42F-6C47-8D07-C049B20C1F89}" type="datetimeFigureOut">
               <a:rPr lang="en-US" smtClean="0"/>
-              <a:t>8/6/21</a:t>
+              <a:t>3/3/22</a:t>
             </a:fld>
             <a:endParaRPr lang="en-US"/>
           </a:p>
@@ -1966,13 +1735,7 @@
       </p:sp>
       <p:sp>
         <p:nvSpPr>
-          <p:cNvPr id="4" name="Footer Placeholder 3">
-            <a:extLst>
-              <a:ext uri="{FF2B5EF4-FFF2-40B4-BE49-F238E27FC236}">
-                <a16:creationId xmlns:a16="http://schemas.microsoft.com/office/drawing/2014/main" id="{F8B949D3-85FD-1049-9AE2-44E2977B5FDC}"/>
-              </a:ext>
-            </a:extLst>
-          </p:cNvPr>
+          <p:cNvPr id="4" name="Footer Placeholder 3"/>
           <p:cNvSpPr>
             <a:spLocks noGrp="1"/>
           </p:cNvSpPr>
@@ -1991,13 +1754,7 @@
       </p:sp>
       <p:sp>
         <p:nvSpPr>
-          <p:cNvPr id="5" name="Slide Number Placeholder 4">
-            <a:extLst>
-              <a:ext uri="{FF2B5EF4-FFF2-40B4-BE49-F238E27FC236}">
-                <a16:creationId xmlns:a16="http://schemas.microsoft.com/office/drawing/2014/main" id="{6CB27949-00A0-8149-8D38-64CEF83F6EED}"/>
-              </a:ext>
-            </a:extLst>
-          </p:cNvPr>
+          <p:cNvPr id="5" name="Slide Number Placeholder 4"/>
           <p:cNvSpPr>
             <a:spLocks noGrp="1"/>
           </p:cNvSpPr>
@@ -2021,7 +1778,7 @@
     </p:spTree>
     <p:extLst>
       <p:ext uri="{BB962C8B-B14F-4D97-AF65-F5344CB8AC3E}">
-        <p14:creationId xmlns:p14="http://schemas.microsoft.com/office/powerpoint/2010/main" val="3236898014"/>
+        <p14:creationId xmlns:p14="http://schemas.microsoft.com/office/powerpoint/2010/main" val="1862347738"/>
       </p:ext>
     </p:extLst>
   </p:cSld>
@@ -2050,13 +1807,7 @@
       </p:grpSpPr>
       <p:sp>
         <p:nvSpPr>
-          <p:cNvPr id="2" name="Date Placeholder 1">
-            <a:extLst>
-              <a:ext uri="{FF2B5EF4-FFF2-40B4-BE49-F238E27FC236}">
-                <a16:creationId xmlns:a16="http://schemas.microsoft.com/office/drawing/2014/main" id="{F5280A3B-0D14-5B40-820F-BA85445F735B}"/>
-              </a:ext>
-            </a:extLst>
-          </p:cNvPr>
+          <p:cNvPr id="2" name="Date Placeholder 1"/>
           <p:cNvSpPr>
             <a:spLocks noGrp="1"/>
           </p:cNvSpPr>
@@ -2071,7 +1822,7 @@
           <a:p>
             <a:fld id="{D620AE5E-D42F-6C47-8D07-C049B20C1F89}" type="datetimeFigureOut">
               <a:rPr lang="en-US" smtClean="0"/>
-              <a:t>8/6/21</a:t>
+              <a:t>3/3/22</a:t>
             </a:fld>
             <a:endParaRPr lang="en-US"/>
           </a:p>
@@ -2079,13 +1830,7 @@
       </p:sp>
       <p:sp>
         <p:nvSpPr>
-          <p:cNvPr id="3" name="Footer Placeholder 2">
-            <a:extLst>
-              <a:ext uri="{FF2B5EF4-FFF2-40B4-BE49-F238E27FC236}">
-                <a16:creationId xmlns:a16="http://schemas.microsoft.com/office/drawing/2014/main" id="{6AA278EF-87D2-1645-BE2C-71C6EF2E6056}"/>
-              </a:ext>
-            </a:extLst>
-          </p:cNvPr>
+          <p:cNvPr id="3" name="Footer Placeholder 2"/>
           <p:cNvSpPr>
             <a:spLocks noGrp="1"/>
           </p:cNvSpPr>
@@ -2104,13 +1849,7 @@
       </p:sp>
       <p:sp>
         <p:nvSpPr>
-          <p:cNvPr id="4" name="Slide Number Placeholder 3">
-            <a:extLst>
-              <a:ext uri="{FF2B5EF4-FFF2-40B4-BE49-F238E27FC236}">
-                <a16:creationId xmlns:a16="http://schemas.microsoft.com/office/drawing/2014/main" id="{A2443D93-6EA1-554A-9C9B-4C8603C4A3E6}"/>
-              </a:ext>
-            </a:extLst>
-          </p:cNvPr>
+          <p:cNvPr id="4" name="Slide Number Placeholder 3"/>
           <p:cNvSpPr>
             <a:spLocks noGrp="1"/>
           </p:cNvSpPr>
@@ -2134,7 +1873,7 @@
     </p:spTree>
     <p:extLst>
       <p:ext uri="{BB962C8B-B14F-4D97-AF65-F5344CB8AC3E}">
-        <p14:creationId xmlns:p14="http://schemas.microsoft.com/office/powerpoint/2010/main" val="3127192531"/>
+        <p14:creationId xmlns:p14="http://schemas.microsoft.com/office/powerpoint/2010/main" val="211863611"/>
       </p:ext>
     </p:extLst>
   </p:cSld>
@@ -2163,13 +1902,7 @@
       </p:grpSpPr>
       <p:sp>
         <p:nvSpPr>
-          <p:cNvPr id="2" name="Title 1">
-            <a:extLst>
-              <a:ext uri="{FF2B5EF4-FFF2-40B4-BE49-F238E27FC236}">
-                <a16:creationId xmlns:a16="http://schemas.microsoft.com/office/drawing/2014/main" id="{A28EB2FB-C3B4-7843-80C4-EC7EB6B354AC}"/>
-              </a:ext>
-            </a:extLst>
-          </p:cNvPr>
+          <p:cNvPr id="2" name="Title 1"/>
           <p:cNvSpPr>
             <a:spLocks noGrp="1"/>
           </p:cNvSpPr>
@@ -2179,8 +1912,8 @@
         </p:nvSpPr>
         <p:spPr>
           <a:xfrm>
-            <a:off x="839788" y="457200"/>
-            <a:ext cx="3932237" cy="1600200"/>
+            <a:off x="629841" y="457200"/>
+            <a:ext cx="2949178" cy="1600200"/>
           </a:xfrm>
         </p:spPr>
         <p:txBody>
@@ -2195,18 +1928,13 @@
               <a:rPr lang="en-US"/>
               <a:t>Click to edit Master title style</a:t>
             </a:r>
-          </a:p>
-        </p:txBody>
-      </p:sp>
-      <p:sp>
-        <p:nvSpPr>
-          <p:cNvPr id="3" name="Content Placeholder 2">
-            <a:extLst>
-              <a:ext uri="{FF2B5EF4-FFF2-40B4-BE49-F238E27FC236}">
-                <a16:creationId xmlns:a16="http://schemas.microsoft.com/office/drawing/2014/main" id="{6D4B65D6-4522-A04F-ABC8-91FB168DDC8B}"/>
-              </a:ext>
-            </a:extLst>
-          </p:cNvPr>
+            <a:endParaRPr lang="en-US" dirty="0"/>
+          </a:p>
+        </p:txBody>
+      </p:sp>
+      <p:sp>
+        <p:nvSpPr>
+          <p:cNvPr id="3" name="Content Placeholder 2"/>
           <p:cNvSpPr>
             <a:spLocks noGrp="1"/>
           </p:cNvSpPr>
@@ -2216,8 +1944,8 @@
         </p:nvSpPr>
         <p:spPr>
           <a:xfrm>
-            <a:off x="5183188" y="987425"/>
-            <a:ext cx="6172200" cy="4873625"/>
+            <a:off x="3887391" y="987426"/>
+            <a:ext cx="4629150" cy="4873625"/>
           </a:xfrm>
         </p:spPr>
         <p:txBody>
@@ -2285,18 +2013,13 @@
               <a:rPr lang="en-US"/>
               <a:t>Fifth level</a:t>
             </a:r>
-          </a:p>
-        </p:txBody>
-      </p:sp>
-      <p:sp>
-        <p:nvSpPr>
-          <p:cNvPr id="4" name="Text Placeholder 3">
-            <a:extLst>
-              <a:ext uri="{FF2B5EF4-FFF2-40B4-BE49-F238E27FC236}">
-                <a16:creationId xmlns:a16="http://schemas.microsoft.com/office/drawing/2014/main" id="{91FFD9FB-AFC3-9D4C-A4A3-D12BCCB06449}"/>
-              </a:ext>
-            </a:extLst>
-          </p:cNvPr>
+            <a:endParaRPr lang="en-US" dirty="0"/>
+          </a:p>
+        </p:txBody>
+      </p:sp>
+      <p:sp>
+        <p:nvSpPr>
+          <p:cNvPr id="4" name="Text Placeholder 3"/>
           <p:cNvSpPr>
             <a:spLocks noGrp="1"/>
           </p:cNvSpPr>
@@ -2306,8 +2029,8 @@
         </p:nvSpPr>
         <p:spPr>
           <a:xfrm>
-            <a:off x="839788" y="2057400"/>
-            <a:ext cx="3932237" cy="3811588"/>
+            <a:off x="629841" y="2057400"/>
+            <a:ext cx="2949178" cy="3811588"/>
           </a:xfrm>
         </p:spPr>
         <p:txBody>
@@ -2361,13 +2084,7 @@
       </p:sp>
       <p:sp>
         <p:nvSpPr>
-          <p:cNvPr id="5" name="Date Placeholder 4">
-            <a:extLst>
-              <a:ext uri="{FF2B5EF4-FFF2-40B4-BE49-F238E27FC236}">
-                <a16:creationId xmlns:a16="http://schemas.microsoft.com/office/drawing/2014/main" id="{B57C2E20-A02C-E54C-8B56-630C2203FB0C}"/>
-              </a:ext>
-            </a:extLst>
-          </p:cNvPr>
+          <p:cNvPr id="5" name="Date Placeholder 4"/>
           <p:cNvSpPr>
             <a:spLocks noGrp="1"/>
           </p:cNvSpPr>
@@ -2382,7 +2099,7 @@
           <a:p>
             <a:fld id="{D620AE5E-D42F-6C47-8D07-C049B20C1F89}" type="datetimeFigureOut">
               <a:rPr lang="en-US" smtClean="0"/>
-              <a:t>8/6/21</a:t>
+              <a:t>3/3/22</a:t>
             </a:fld>
             <a:endParaRPr lang="en-US"/>
           </a:p>
@@ -2390,13 +2107,7 @@
       </p:sp>
       <p:sp>
         <p:nvSpPr>
-          <p:cNvPr id="6" name="Footer Placeholder 5">
-            <a:extLst>
-              <a:ext uri="{FF2B5EF4-FFF2-40B4-BE49-F238E27FC236}">
-                <a16:creationId xmlns:a16="http://schemas.microsoft.com/office/drawing/2014/main" id="{C9005C7A-89D4-6E4C-A1D4-4B1DB864FFF9}"/>
-              </a:ext>
-            </a:extLst>
-          </p:cNvPr>
+          <p:cNvPr id="6" name="Footer Placeholder 5"/>
           <p:cNvSpPr>
             <a:spLocks noGrp="1"/>
           </p:cNvSpPr>
@@ -2415,13 +2126,7 @@
       </p:sp>
       <p:sp>
         <p:nvSpPr>
-          <p:cNvPr id="7" name="Slide Number Placeholder 6">
-            <a:extLst>
-              <a:ext uri="{FF2B5EF4-FFF2-40B4-BE49-F238E27FC236}">
-                <a16:creationId xmlns:a16="http://schemas.microsoft.com/office/drawing/2014/main" id="{930C5177-E995-3141-BFD0-0BC74B8B0952}"/>
-              </a:ext>
-            </a:extLst>
-          </p:cNvPr>
+          <p:cNvPr id="7" name="Slide Number Placeholder 6"/>
           <p:cNvSpPr>
             <a:spLocks noGrp="1"/>
           </p:cNvSpPr>
@@ -2445,7 +2150,7 @@
     </p:spTree>
     <p:extLst>
       <p:ext uri="{BB962C8B-B14F-4D97-AF65-F5344CB8AC3E}">
-        <p14:creationId xmlns:p14="http://schemas.microsoft.com/office/powerpoint/2010/main" val="579194910"/>
+        <p14:creationId xmlns:p14="http://schemas.microsoft.com/office/powerpoint/2010/main" val="2106584452"/>
       </p:ext>
     </p:extLst>
   </p:cSld>
@@ -2474,13 +2179,7 @@
       </p:grpSpPr>
       <p:sp>
         <p:nvSpPr>
-          <p:cNvPr id="2" name="Title 1">
-            <a:extLst>
-              <a:ext uri="{FF2B5EF4-FFF2-40B4-BE49-F238E27FC236}">
-                <a16:creationId xmlns:a16="http://schemas.microsoft.com/office/drawing/2014/main" id="{ED16DFA5-0F48-9D48-89F4-5158F41FC3DB}"/>
-              </a:ext>
-            </a:extLst>
-          </p:cNvPr>
+          <p:cNvPr id="2" name="Title 1"/>
           <p:cNvSpPr>
             <a:spLocks noGrp="1"/>
           </p:cNvSpPr>
@@ -2490,8 +2189,8 @@
         </p:nvSpPr>
         <p:spPr>
           <a:xfrm>
-            <a:off x="839788" y="457200"/>
-            <a:ext cx="3932237" cy="1600200"/>
+            <a:off x="629841" y="457200"/>
+            <a:ext cx="2949178" cy="1600200"/>
           </a:xfrm>
         </p:spPr>
         <p:txBody>
@@ -2506,20 +2205,15 @@
               <a:rPr lang="en-US"/>
               <a:t>Click to edit Master title style</a:t>
             </a:r>
-          </a:p>
-        </p:txBody>
-      </p:sp>
-      <p:sp>
-        <p:nvSpPr>
-          <p:cNvPr id="3" name="Picture Placeholder 2">
-            <a:extLst>
-              <a:ext uri="{FF2B5EF4-FFF2-40B4-BE49-F238E27FC236}">
-                <a16:creationId xmlns:a16="http://schemas.microsoft.com/office/drawing/2014/main" id="{AC0D4FB1-6B4A-B34B-A0CC-765994344216}"/>
-              </a:ext>
-            </a:extLst>
-          </p:cNvPr>
-          <p:cNvSpPr>
-            <a:spLocks noGrp="1"/>
+            <a:endParaRPr lang="en-US" dirty="0"/>
+          </a:p>
+        </p:txBody>
+      </p:sp>
+      <p:sp>
+        <p:nvSpPr>
+          <p:cNvPr id="3" name="Picture Placeholder 2"/>
+          <p:cNvSpPr>
+            <a:spLocks noGrp="1" noChangeAspect="1"/>
           </p:cNvSpPr>
           <p:nvPr>
             <p:ph type="pic" idx="1"/>
@@ -2527,12 +2221,12 @@
         </p:nvSpPr>
         <p:spPr>
           <a:xfrm>
-            <a:off x="5183188" y="987425"/>
-            <a:ext cx="6172200" cy="4873625"/>
-          </a:xfrm>
-        </p:spPr>
-        <p:txBody>
-          <a:bodyPr/>
+            <a:off x="3887391" y="987426"/>
+            <a:ext cx="4629150" cy="4873625"/>
+          </a:xfrm>
+        </p:spPr>
+        <p:txBody>
+          <a:bodyPr anchor="t"/>
           <a:lstStyle>
             <a:lvl1pPr marL="0" indent="0">
               <a:buNone/>
@@ -2572,19 +2266,17 @@
             </a:lvl9pPr>
           </a:lstStyle>
           <a:p>
-            <a:endParaRPr lang="en-US"/>
-          </a:p>
-        </p:txBody>
-      </p:sp>
-      <p:sp>
-        <p:nvSpPr>
-          <p:cNvPr id="4" name="Text Placeholder 3">
-            <a:extLst>
-              <a:ext uri="{FF2B5EF4-FFF2-40B4-BE49-F238E27FC236}">
-                <a16:creationId xmlns:a16="http://schemas.microsoft.com/office/drawing/2014/main" id="{0219CB24-80F2-714E-81CD-DE6C1D6F3FDA}"/>
-              </a:ext>
-            </a:extLst>
-          </p:cNvPr>
+            <a:r>
+              <a:rPr lang="en-US"/>
+              <a:t>Click icon to add picture</a:t>
+            </a:r>
+            <a:endParaRPr lang="en-US" dirty="0"/>
+          </a:p>
+        </p:txBody>
+      </p:sp>
+      <p:sp>
+        <p:nvSpPr>
+          <p:cNvPr id="4" name="Text Placeholder 3"/>
           <p:cNvSpPr>
             <a:spLocks noGrp="1"/>
           </p:cNvSpPr>
@@ -2594,8 +2286,8 @@
         </p:nvSpPr>
         <p:spPr>
           <a:xfrm>
-            <a:off x="839788" y="2057400"/>
-            <a:ext cx="3932237" cy="3811588"/>
+            <a:off x="629841" y="2057400"/>
+            <a:ext cx="2949178" cy="3811588"/>
           </a:xfrm>
         </p:spPr>
         <p:txBody>
@@ -2649,13 +2341,7 @@
       </p:sp>
       <p:sp>
         <p:nvSpPr>
-          <p:cNvPr id="5" name="Date Placeholder 4">
-            <a:extLst>
-              <a:ext uri="{FF2B5EF4-FFF2-40B4-BE49-F238E27FC236}">
-                <a16:creationId xmlns:a16="http://schemas.microsoft.com/office/drawing/2014/main" id="{187DA798-1F86-6E44-BB57-DE631F1DA09F}"/>
-              </a:ext>
-            </a:extLst>
-          </p:cNvPr>
+          <p:cNvPr id="5" name="Date Placeholder 4"/>
           <p:cNvSpPr>
             <a:spLocks noGrp="1"/>
           </p:cNvSpPr>
@@ -2670,7 +2356,7 @@
           <a:p>
             <a:fld id="{D620AE5E-D42F-6C47-8D07-C049B20C1F89}" type="datetimeFigureOut">
               <a:rPr lang="en-US" smtClean="0"/>
-              <a:t>8/6/21</a:t>
+              <a:t>3/3/22</a:t>
             </a:fld>
             <a:endParaRPr lang="en-US"/>
           </a:p>
@@ -2678,13 +2364,7 @@
       </p:sp>
       <p:sp>
         <p:nvSpPr>
-          <p:cNvPr id="6" name="Footer Placeholder 5">
-            <a:extLst>
-              <a:ext uri="{FF2B5EF4-FFF2-40B4-BE49-F238E27FC236}">
-                <a16:creationId xmlns:a16="http://schemas.microsoft.com/office/drawing/2014/main" id="{24E3BBCB-ADF2-5C4D-8C3E-BA31EE01DF9A}"/>
-              </a:ext>
-            </a:extLst>
-          </p:cNvPr>
+          <p:cNvPr id="6" name="Footer Placeholder 5"/>
           <p:cNvSpPr>
             <a:spLocks noGrp="1"/>
           </p:cNvSpPr>
@@ -2703,13 +2383,7 @@
       </p:sp>
       <p:sp>
         <p:nvSpPr>
-          <p:cNvPr id="7" name="Slide Number Placeholder 6">
-            <a:extLst>
-              <a:ext uri="{FF2B5EF4-FFF2-40B4-BE49-F238E27FC236}">
-                <a16:creationId xmlns:a16="http://schemas.microsoft.com/office/drawing/2014/main" id="{96DDBB17-2C16-5848-A430-31E65AD3AA90}"/>
-              </a:ext>
-            </a:extLst>
-          </p:cNvPr>
+          <p:cNvPr id="7" name="Slide Number Placeholder 6"/>
           <p:cNvSpPr>
             <a:spLocks noGrp="1"/>
           </p:cNvSpPr>
@@ -2733,7 +2407,7 @@
     </p:spTree>
     <p:extLst>
       <p:ext uri="{BB962C8B-B14F-4D97-AF65-F5344CB8AC3E}">
-        <p14:creationId xmlns:p14="http://schemas.microsoft.com/office/powerpoint/2010/main" val="4026060137"/>
+        <p14:creationId xmlns:p14="http://schemas.microsoft.com/office/powerpoint/2010/main" val="1740824437"/>
       </p:ext>
     </p:extLst>
   </p:cSld>
@@ -2767,13 +2441,7 @@
       </p:grpSpPr>
       <p:sp>
         <p:nvSpPr>
-          <p:cNvPr id="2" name="Title Placeholder 1">
-            <a:extLst>
-              <a:ext uri="{FF2B5EF4-FFF2-40B4-BE49-F238E27FC236}">
-                <a16:creationId xmlns:a16="http://schemas.microsoft.com/office/drawing/2014/main" id="{779DBE06-2BF6-094A-890B-461EB9AF798B}"/>
-              </a:ext>
-            </a:extLst>
-          </p:cNvPr>
+          <p:cNvPr id="2" name="Title Placeholder 1"/>
           <p:cNvSpPr>
             <a:spLocks noGrp="1"/>
           </p:cNvSpPr>
@@ -2783,8 +2451,8 @@
         </p:nvSpPr>
         <p:spPr>
           <a:xfrm>
-            <a:off x="838200" y="365125"/>
-            <a:ext cx="10515600" cy="1325563"/>
+            <a:off x="628650" y="365126"/>
+            <a:ext cx="7886700" cy="1325563"/>
           </a:xfrm>
           <a:prstGeom prst="rect">
             <a:avLst/>
@@ -2800,18 +2468,13 @@
               <a:rPr lang="en-US"/>
               <a:t>Click to edit Master title style</a:t>
             </a:r>
-          </a:p>
-        </p:txBody>
-      </p:sp>
-      <p:sp>
-        <p:nvSpPr>
-          <p:cNvPr id="3" name="Text Placeholder 2">
-            <a:extLst>
-              <a:ext uri="{FF2B5EF4-FFF2-40B4-BE49-F238E27FC236}">
-                <a16:creationId xmlns:a16="http://schemas.microsoft.com/office/drawing/2014/main" id="{8B87251C-0A35-6B47-BDC6-2E31F8E42973}"/>
-              </a:ext>
-            </a:extLst>
-          </p:cNvPr>
+            <a:endParaRPr lang="en-US" dirty="0"/>
+          </a:p>
+        </p:txBody>
+      </p:sp>
+      <p:sp>
+        <p:nvSpPr>
+          <p:cNvPr id="3" name="Text Placeholder 2"/>
           <p:cNvSpPr>
             <a:spLocks noGrp="1"/>
           </p:cNvSpPr>
@@ -2821,8 +2484,8 @@
         </p:nvSpPr>
         <p:spPr>
           <a:xfrm>
-            <a:off x="838200" y="1825625"/>
-            <a:ext cx="10515600" cy="4351338"/>
+            <a:off x="628650" y="1825625"/>
+            <a:ext cx="7886700" cy="4351338"/>
           </a:xfrm>
           <a:prstGeom prst="rect">
             <a:avLst/>
@@ -2867,18 +2530,13 @@
               <a:rPr lang="en-US"/>
               <a:t>Fifth level</a:t>
             </a:r>
-          </a:p>
-        </p:txBody>
-      </p:sp>
-      <p:sp>
-        <p:nvSpPr>
-          <p:cNvPr id="4" name="Date Placeholder 3">
-            <a:extLst>
-              <a:ext uri="{FF2B5EF4-FFF2-40B4-BE49-F238E27FC236}">
-                <a16:creationId xmlns:a16="http://schemas.microsoft.com/office/drawing/2014/main" id="{EBA3C28F-3FAB-ED4E-836F-47241BDEFA5C}"/>
-              </a:ext>
-            </a:extLst>
-          </p:cNvPr>
+            <a:endParaRPr lang="en-US" dirty="0"/>
+          </a:p>
+        </p:txBody>
+      </p:sp>
+      <p:sp>
+        <p:nvSpPr>
+          <p:cNvPr id="4" name="Date Placeholder 3"/>
           <p:cNvSpPr>
             <a:spLocks noGrp="1"/>
           </p:cNvSpPr>
@@ -2888,8 +2546,8 @@
         </p:nvSpPr>
         <p:spPr>
           <a:xfrm>
-            <a:off x="838200" y="6356350"/>
-            <a:ext cx="2743200" cy="365125"/>
+            <a:off x="628650" y="6356351"/>
+            <a:ext cx="2057400" cy="365125"/>
           </a:xfrm>
           <a:prstGeom prst="rect">
             <a:avLst/>
@@ -2911,7 +2569,7 @@
           <a:p>
             <a:fld id="{D620AE5E-D42F-6C47-8D07-C049B20C1F89}" type="datetimeFigureOut">
               <a:rPr lang="en-US" smtClean="0"/>
-              <a:t>8/6/21</a:t>
+              <a:t>3/3/22</a:t>
             </a:fld>
             <a:endParaRPr lang="en-US"/>
           </a:p>
@@ -2919,13 +2577,7 @@
       </p:sp>
       <p:sp>
         <p:nvSpPr>
-          <p:cNvPr id="5" name="Footer Placeholder 4">
-            <a:extLst>
-              <a:ext uri="{FF2B5EF4-FFF2-40B4-BE49-F238E27FC236}">
-                <a16:creationId xmlns:a16="http://schemas.microsoft.com/office/drawing/2014/main" id="{CF66673A-FCE3-EC43-A895-D8A5112DEE30}"/>
-              </a:ext>
-            </a:extLst>
-          </p:cNvPr>
+          <p:cNvPr id="5" name="Footer Placeholder 4"/>
           <p:cNvSpPr>
             <a:spLocks noGrp="1"/>
           </p:cNvSpPr>
@@ -2935,8 +2587,8 @@
         </p:nvSpPr>
         <p:spPr>
           <a:xfrm>
-            <a:off x="4038600" y="6356350"/>
-            <a:ext cx="4114800" cy="365125"/>
+            <a:off x="3028950" y="6356351"/>
+            <a:ext cx="3086100" cy="365125"/>
           </a:xfrm>
           <a:prstGeom prst="rect">
             <a:avLst/>
@@ -2962,13 +2614,7 @@
       </p:sp>
       <p:sp>
         <p:nvSpPr>
-          <p:cNvPr id="6" name="Slide Number Placeholder 5">
-            <a:extLst>
-              <a:ext uri="{FF2B5EF4-FFF2-40B4-BE49-F238E27FC236}">
-                <a16:creationId xmlns:a16="http://schemas.microsoft.com/office/drawing/2014/main" id="{1C267C41-0C3A-C240-AE82-224459BB80AE}"/>
-              </a:ext>
-            </a:extLst>
-          </p:cNvPr>
+          <p:cNvPr id="6" name="Slide Number Placeholder 5"/>
           <p:cNvSpPr>
             <a:spLocks noGrp="1"/>
           </p:cNvSpPr>
@@ -2978,8 +2624,8 @@
         </p:nvSpPr>
         <p:spPr>
           <a:xfrm>
-            <a:off x="8610600" y="6356350"/>
-            <a:ext cx="2743200" cy="365125"/>
+            <a:off x="6457950" y="6356351"/>
+            <a:ext cx="2057400" cy="365125"/>
           </a:xfrm>
           <a:prstGeom prst="rect">
             <a:avLst/>
@@ -3010,23 +2656,23 @@
     </p:spTree>
     <p:extLst>
       <p:ext uri="{BB962C8B-B14F-4D97-AF65-F5344CB8AC3E}">
-        <p14:creationId xmlns:p14="http://schemas.microsoft.com/office/powerpoint/2010/main" val="443315656"/>
+        <p14:creationId xmlns:p14="http://schemas.microsoft.com/office/powerpoint/2010/main" val="4045979646"/>
       </p:ext>
     </p:extLst>
   </p:cSld>
   <p:clrMap bg1="lt1" tx1="dk1" bg2="lt2" tx2="dk2" accent1="accent1" accent2="accent2" accent3="accent3" accent4="accent4" accent5="accent5" accent6="accent6" hlink="hlink" folHlink="folHlink"/>
   <p:sldLayoutIdLst>
-    <p:sldLayoutId id="2147483649" r:id="rId1"/>
-    <p:sldLayoutId id="2147483650" r:id="rId2"/>
-    <p:sldLayoutId id="2147483651" r:id="rId3"/>
-    <p:sldLayoutId id="2147483652" r:id="rId4"/>
-    <p:sldLayoutId id="2147483653" r:id="rId5"/>
-    <p:sldLayoutId id="2147483654" r:id="rId6"/>
-    <p:sldLayoutId id="2147483655" r:id="rId7"/>
-    <p:sldLayoutId id="2147483656" r:id="rId8"/>
-    <p:sldLayoutId id="2147483657" r:id="rId9"/>
-    <p:sldLayoutId id="2147483658" r:id="rId10"/>
-    <p:sldLayoutId id="2147483659" r:id="rId11"/>
+    <p:sldLayoutId id="2147483661" r:id="rId1"/>
+    <p:sldLayoutId id="2147483662" r:id="rId2"/>
+    <p:sldLayoutId id="2147483663" r:id="rId3"/>
+    <p:sldLayoutId id="2147483664" r:id="rId4"/>
+    <p:sldLayoutId id="2147483665" r:id="rId5"/>
+    <p:sldLayoutId id="2147483666" r:id="rId6"/>
+    <p:sldLayoutId id="2147483667" r:id="rId7"/>
+    <p:sldLayoutId id="2147483668" r:id="rId8"/>
+    <p:sldLayoutId id="2147483669" r:id="rId9"/>
+    <p:sldLayoutId id="2147483670" r:id="rId10"/>
+    <p:sldLayoutId id="2147483671" r:id="rId11"/>
   </p:sldLayoutIdLst>
   <p:txStyles>
     <p:titleStyle>
@@ -3350,8 +2996,8 @@
         </p:blipFill>
         <p:spPr>
           <a:xfrm>
-            <a:off x="1213383" y="1292433"/>
-            <a:ext cx="8373761" cy="4603686"/>
+            <a:off x="910038" y="1826575"/>
+            <a:ext cx="6280321" cy="3452765"/>
           </a:xfrm>
           <a:prstGeom prst="rect">
             <a:avLst/>
@@ -3375,13 +3021,11 @@
         </p:nvCxnSpPr>
         <p:spPr>
           <a:xfrm rot="10800000">
-            <a:off x="9442178" y="2324817"/>
-            <a:ext cx="234419" cy="153887"/>
-          </a:xfrm>
-          <a:prstGeom prst="bentConnector3">
-            <a:avLst>
-              <a:gd name="adj1" fmla="val 105119"/>
-            </a:avLst>
+            <a:off x="7081637" y="2600864"/>
+            <a:ext cx="175811" cy="207747"/>
+          </a:xfrm>
+          <a:prstGeom prst="bentConnector2">
+            <a:avLst/>
           </a:prstGeom>
           <a:ln>
             <a:solidFill>
@@ -3418,8 +3062,8 @@
         </p:nvSpPr>
         <p:spPr>
           <a:xfrm>
-            <a:off x="9676596" y="2324814"/>
-            <a:ext cx="1445294" cy="307777"/>
+            <a:off x="7257447" y="2600861"/>
+            <a:ext cx="1083971" cy="415498"/>
           </a:xfrm>
           <a:prstGeom prst="rect">
             <a:avLst/>
@@ -3436,7 +3080,7 @@
           <a:lstStyle/>
           <a:p>
             <a:r>
-              <a:rPr lang="en-US" sz="1400" dirty="0">
+              <a:rPr lang="en-US" sz="1050" dirty="0">
                 <a:ln>
                   <a:solidFill>
                     <a:srgbClr val="FFC000"/>
@@ -3448,7 +3092,7 @@
               </a:rPr>
               <a:t>Delete Collection</a:t>
             </a:r>
-            <a:endParaRPr lang="en-US" dirty="0">
+            <a:endParaRPr lang="en-US" sz="1350" dirty="0">
               <a:ln>
                 <a:solidFill>
                   <a:srgbClr val="FFC000"/>
@@ -3475,8 +3119,8 @@
         </p:nvSpPr>
         <p:spPr>
           <a:xfrm>
-            <a:off x="9676596" y="2592835"/>
-            <a:ext cx="1832922" cy="307777"/>
+            <a:off x="7257447" y="2801876"/>
+            <a:ext cx="1374692" cy="253916"/>
           </a:xfrm>
           <a:prstGeom prst="rect">
             <a:avLst/>
@@ -3493,7 +3137,7 @@
           <a:lstStyle/>
           <a:p>
             <a:r>
-              <a:rPr lang="en-US" sz="1400" dirty="0">
+              <a:rPr lang="en-US" sz="1050" dirty="0">
                 <a:ln>
                   <a:solidFill>
                     <a:srgbClr val="FFC000"/>
@@ -3505,7 +3149,7 @@
               </a:rPr>
               <a:t>Hide/Show Collection</a:t>
             </a:r>
-            <a:endParaRPr lang="en-US" dirty="0">
+            <a:endParaRPr lang="en-US" sz="1350" dirty="0">
               <a:ln>
                 <a:solidFill>
                   <a:srgbClr val="FFC000"/>
@@ -3535,8 +3179,8 @@
         </p:nvCxnSpPr>
         <p:spPr>
           <a:xfrm rot="10800000">
-            <a:off x="9253334" y="2291306"/>
-            <a:ext cx="423262" cy="455419"/>
+            <a:off x="6940001" y="2575732"/>
+            <a:ext cx="317446" cy="353103"/>
           </a:xfrm>
           <a:prstGeom prst="bentConnector2">
             <a:avLst/>
@@ -3579,8 +3223,8 @@
         </p:nvCxnSpPr>
         <p:spPr>
           <a:xfrm rot="5400000">
-            <a:off x="2398286" y="1476981"/>
-            <a:ext cx="908770" cy="6349"/>
+            <a:off x="1810257" y="1976528"/>
+            <a:ext cx="658495" cy="4761"/>
           </a:xfrm>
           <a:prstGeom prst="bentConnector3">
             <a:avLst>
@@ -3622,8 +3266,8 @@
         </p:nvSpPr>
         <p:spPr>
           <a:xfrm>
-            <a:off x="2043344" y="717993"/>
-            <a:ext cx="1625002" cy="307777"/>
+            <a:off x="1532508" y="1395745"/>
+            <a:ext cx="1218752" cy="253916"/>
           </a:xfrm>
           <a:prstGeom prst="rect">
             <a:avLst/>
@@ -3641,7 +3285,7 @@
           <a:p>
             <a:pPr algn="ctr"/>
             <a:r>
-              <a:rPr lang="en-US" sz="1400" dirty="0">
+              <a:rPr lang="en-US" sz="1050" dirty="0">
                 <a:ln>
                   <a:solidFill>
                     <a:srgbClr val="FFC000"/>
@@ -3653,7 +3297,7 @@
               </a:rPr>
               <a:t>Apply Saved Filter</a:t>
             </a:r>
-            <a:endParaRPr lang="en-US" dirty="0">
+            <a:endParaRPr lang="en-US" sz="1350" dirty="0">
               <a:ln>
                 <a:solidFill>
                   <a:srgbClr val="FFC000"/>
@@ -3683,8 +3327,8 @@
         </p:nvCxnSpPr>
         <p:spPr>
           <a:xfrm rot="16200000" flipH="1">
-            <a:off x="8759835" y="1366867"/>
-            <a:ext cx="688544" cy="6350"/>
+            <a:off x="6581418" y="1893941"/>
+            <a:ext cx="493325" cy="4763"/>
           </a:xfrm>
           <a:prstGeom prst="bentConnector3">
             <a:avLst>
@@ -3726,8 +3370,8 @@
         </p:nvSpPr>
         <p:spPr>
           <a:xfrm>
-            <a:off x="8288431" y="717993"/>
-            <a:ext cx="1625002" cy="307777"/>
+            <a:off x="6216323" y="1395745"/>
+            <a:ext cx="1218752" cy="253916"/>
           </a:xfrm>
           <a:prstGeom prst="rect">
             <a:avLst/>
@@ -3745,7 +3389,7 @@
           <a:p>
             <a:pPr algn="ctr"/>
             <a:r>
-              <a:rPr lang="en-US" sz="1400" dirty="0">
+              <a:rPr lang="en-US" sz="1050" dirty="0">
                 <a:ln>
                   <a:solidFill>
                     <a:srgbClr val="FFC000"/>
@@ -3757,7 +3401,7 @@
               </a:rPr>
               <a:t>Add Collection</a:t>
             </a:r>
-            <a:endParaRPr lang="en-US" dirty="0">
+            <a:endParaRPr lang="en-US" sz="1350" dirty="0">
               <a:ln>
                 <a:solidFill>
                   <a:srgbClr val="FFC000"/>
@@ -3786,9 +3430,9 @@
           <p:nvPr/>
         </p:nvCxnSpPr>
         <p:spPr>
-          <a:xfrm rot="10800000" flipV="1">
-            <a:off x="9514664" y="1989776"/>
-            <a:ext cx="161932" cy="12148"/>
+          <a:xfrm rot="10800000">
+            <a:off x="7135999" y="2358693"/>
+            <a:ext cx="121448" cy="2431"/>
           </a:xfrm>
           <a:prstGeom prst="bentConnector3">
             <a:avLst>
@@ -3830,8 +3474,8 @@
         </p:nvSpPr>
         <p:spPr>
           <a:xfrm>
-            <a:off x="9676596" y="1835887"/>
-            <a:ext cx="1723589" cy="307777"/>
+            <a:off x="7257447" y="2234165"/>
+            <a:ext cx="1292692" cy="253916"/>
           </a:xfrm>
           <a:prstGeom prst="rect">
             <a:avLst/>
@@ -3848,7 +3492,7 @@
           <a:lstStyle/>
           <a:p>
             <a:r>
-              <a:rPr lang="en-US" sz="1400" dirty="0">
+              <a:rPr lang="en-US" sz="1050" dirty="0">
                 <a:ln>
                   <a:solidFill>
                     <a:srgbClr val="FFC000"/>
@@ -3860,7 +3504,7 @@
               </a:rPr>
               <a:t>Save Filter Settings</a:t>
             </a:r>
-            <a:endParaRPr lang="en-US" dirty="0">
+            <a:endParaRPr lang="en-US" sz="1350" dirty="0">
               <a:ln>
                 <a:solidFill>
                   <a:srgbClr val="FFC000"/>
@@ -3890,8 +3534,8 @@
         </p:nvCxnSpPr>
         <p:spPr>
           <a:xfrm rot="5400000">
-            <a:off x="3393606" y="867666"/>
-            <a:ext cx="976155" cy="1292363"/>
+            <a:off x="2556746" y="1519543"/>
+            <a:ext cx="709034" cy="969270"/>
           </a:xfrm>
           <a:prstGeom prst="bentConnector2">
             <a:avLst/>
@@ -3931,8 +3575,8 @@
         </p:nvSpPr>
         <p:spPr>
           <a:xfrm>
-            <a:off x="3715363" y="717993"/>
-            <a:ext cx="1625002" cy="307777"/>
+            <a:off x="2786522" y="1395745"/>
+            <a:ext cx="1218752" cy="253916"/>
           </a:xfrm>
           <a:prstGeom prst="rect">
             <a:avLst/>
@@ -3950,7 +3594,7 @@
           <a:p>
             <a:pPr algn="ctr"/>
             <a:r>
-              <a:rPr lang="en-US" sz="1400" dirty="0">
+              <a:rPr lang="en-US" sz="1050" dirty="0">
                 <a:ln>
                   <a:solidFill>
                     <a:srgbClr val="FFC000"/>
@@ -3962,7 +3606,7 @@
               </a:rPr>
               <a:t>Add Filter Fields</a:t>
             </a:r>
-            <a:endParaRPr lang="en-US" dirty="0">
+            <a:endParaRPr lang="en-US" sz="1350" dirty="0">
               <a:ln>
                 <a:solidFill>
                   <a:srgbClr val="FFC000"/>
@@ -3992,12 +3636,12 @@
         </p:nvCxnSpPr>
         <p:spPr>
           <a:xfrm rot="10800000">
-            <a:off x="8634450" y="2059735"/>
-            <a:ext cx="1042147" cy="153885"/>
+            <a:off x="6475841" y="2402052"/>
+            <a:ext cx="781607" cy="126954"/>
           </a:xfrm>
           <a:prstGeom prst="bentConnector3">
             <a:avLst>
-              <a:gd name="adj1" fmla="val 101501"/>
+              <a:gd name="adj1" fmla="val 50000"/>
             </a:avLst>
           </a:prstGeom>
           <a:ln>
@@ -4035,8 +3679,8 @@
         </p:nvSpPr>
         <p:spPr>
           <a:xfrm>
-            <a:off x="9676596" y="2059730"/>
-            <a:ext cx="1723589" cy="307777"/>
+            <a:off x="7257447" y="2402048"/>
+            <a:ext cx="1292692" cy="253916"/>
           </a:xfrm>
           <a:prstGeom prst="rect">
             <a:avLst/>
@@ -4053,7 +3697,7 @@
           <a:lstStyle/>
           <a:p>
             <a:r>
-              <a:rPr lang="en-US" sz="1400" dirty="0">
+              <a:rPr lang="en-US" sz="1050" dirty="0">
                 <a:ln>
                   <a:solidFill>
                     <a:srgbClr val="FFC000"/>
@@ -4065,7 +3709,7 @@
               </a:rPr>
               <a:t>Page Date Filter</a:t>
             </a:r>
-            <a:endParaRPr lang="en-US" dirty="0">
+            <a:endParaRPr lang="en-US" sz="1350" dirty="0">
               <a:ln>
                 <a:solidFill>
                   <a:srgbClr val="FFC000"/>
@@ -4095,8 +3739,8 @@
         </p:nvCxnSpPr>
         <p:spPr>
           <a:xfrm rot="16200000" flipH="1">
-            <a:off x="7680553" y="520361"/>
-            <a:ext cx="614187" cy="1625003"/>
+            <a:off x="5771958" y="1259062"/>
+            <a:ext cx="437555" cy="1218752"/>
           </a:xfrm>
           <a:prstGeom prst="bentConnector2">
             <a:avLst/>
@@ -4136,8 +3780,8 @@
         </p:nvSpPr>
         <p:spPr>
           <a:xfrm>
-            <a:off x="6257240" y="717993"/>
-            <a:ext cx="1835809" cy="307777"/>
+            <a:off x="4692930" y="1395745"/>
+            <a:ext cx="1376857" cy="253916"/>
           </a:xfrm>
           <a:prstGeom prst="rect">
             <a:avLst/>
@@ -4155,7 +3799,7 @@
           <a:p>
             <a:pPr algn="ctr"/>
             <a:r>
-              <a:rPr lang="en-US" sz="1400" dirty="0">
+              <a:rPr lang="en-US" sz="1050" dirty="0">
                 <a:ln>
                   <a:solidFill>
                     <a:srgbClr val="FFC000"/>
@@ -4167,7 +3811,7 @@
               </a:rPr>
               <a:t>Hide/Show Filter Bar</a:t>
             </a:r>
-            <a:endParaRPr lang="en-US" dirty="0">
+            <a:endParaRPr lang="en-US" sz="1350" dirty="0">
               <a:ln>
                 <a:solidFill>
                   <a:srgbClr val="FFC000"/>
@@ -4196,13 +3840,13 @@
           <p:nvPr/>
         </p:nvCxnSpPr>
         <p:spPr>
-          <a:xfrm rot="10800000" flipV="1">
-            <a:off x="9517571" y="1707847"/>
-            <a:ext cx="161932" cy="12152"/>
+          <a:xfrm rot="10800000">
+            <a:off x="7138179" y="2147249"/>
+            <a:ext cx="121448" cy="2428"/>
           </a:xfrm>
           <a:prstGeom prst="bentConnector3">
             <a:avLst>
-              <a:gd name="adj1" fmla="val 31587"/>
+              <a:gd name="adj1" fmla="val 50000"/>
             </a:avLst>
           </a:prstGeom>
           <a:ln>
@@ -4240,8 +3884,8 @@
         </p:nvSpPr>
         <p:spPr>
           <a:xfrm>
-            <a:off x="9679503" y="1553958"/>
-            <a:ext cx="1832922" cy="307777"/>
+            <a:off x="7259627" y="2022719"/>
+            <a:ext cx="1374692" cy="253916"/>
           </a:xfrm>
           <a:prstGeom prst="rect">
             <a:avLst/>
@@ -4258,7 +3902,7 @@
           <a:lstStyle/>
           <a:p>
             <a:r>
-              <a:rPr lang="en-US" sz="1400" dirty="0">
+              <a:rPr lang="en-US" sz="1050" dirty="0">
                 <a:ln>
                   <a:solidFill>
                     <a:srgbClr val="FFC000"/>
@@ -4270,7 +3914,7 @@
               </a:rPr>
               <a:t>Change Filter Options</a:t>
             </a:r>
-            <a:endParaRPr lang="en-US" dirty="0">
+            <a:endParaRPr lang="en-US" sz="1350" dirty="0">
               <a:ln>
                 <a:solidFill>
                   <a:srgbClr val="FFC000"/>
@@ -4335,8 +3979,8 @@
         </p:blipFill>
         <p:spPr>
           <a:xfrm>
-            <a:off x="3329552" y="0"/>
-            <a:ext cx="5532895" cy="6858000"/>
+            <a:off x="2497165" y="857250"/>
+            <a:ext cx="4149671" cy="5143500"/>
           </a:xfrm>
           <a:prstGeom prst="rect">
             <a:avLst/>
@@ -4359,8 +4003,8 @@
         </p:nvCxnSpPr>
         <p:spPr>
           <a:xfrm flipV="1">
-            <a:off x="2288244" y="3719382"/>
-            <a:ext cx="1270502" cy="1243973"/>
+            <a:off x="1716183" y="3646787"/>
+            <a:ext cx="952877" cy="932980"/>
           </a:xfrm>
           <a:prstGeom prst="bentConnector3">
             <a:avLst>
@@ -4402,8 +4046,8 @@
         </p:nvSpPr>
         <p:spPr>
           <a:xfrm>
-            <a:off x="1149177" y="4701745"/>
-            <a:ext cx="1139067" cy="523220"/>
+            <a:off x="861883" y="4383559"/>
+            <a:ext cx="854300" cy="577081"/>
           </a:xfrm>
           <a:prstGeom prst="rect">
             <a:avLst/>
@@ -4421,7 +4065,7 @@
           <a:p>
             <a:pPr algn="ctr"/>
             <a:r>
-              <a:rPr lang="en-US" sz="1400" dirty="0">
+              <a:rPr lang="en-US" sz="1050" dirty="0">
                 <a:ln>
                   <a:solidFill>
                     <a:srgbClr val="FFC000"/>
@@ -4433,7 +4077,7 @@
               </a:rPr>
               <a:t>Filtered Card Indicator</a:t>
             </a:r>
-            <a:endParaRPr lang="en-US" dirty="0">
+            <a:endParaRPr lang="en-US" sz="1350" dirty="0">
               <a:ln>
                 <a:solidFill>
                   <a:srgbClr val="FFC000"/>
@@ -4462,8 +4106,8 @@
         </p:nvCxnSpPr>
         <p:spPr>
           <a:xfrm>
-            <a:off x="2288244" y="4963355"/>
-            <a:ext cx="1270502" cy="1128524"/>
+            <a:off x="1716183" y="4579766"/>
+            <a:ext cx="952877" cy="846393"/>
           </a:xfrm>
           <a:prstGeom prst="bentConnector3">
             <a:avLst>
@@ -4543,8 +4187,8 @@
         </p:blipFill>
         <p:spPr>
           <a:xfrm>
-            <a:off x="4730750" y="1739900"/>
-            <a:ext cx="2730500" cy="3378200"/>
+            <a:off x="3548063" y="2162175"/>
+            <a:ext cx="2047875" cy="2533650"/>
           </a:xfrm>
           <a:prstGeom prst="rect">
             <a:avLst/>
@@ -4565,8 +4209,8 @@
         </p:nvSpPr>
         <p:spPr>
           <a:xfrm>
-            <a:off x="6340805" y="2011182"/>
-            <a:ext cx="331844" cy="361315"/>
+            <a:off x="4755604" y="2365637"/>
+            <a:ext cx="248883" cy="270986"/>
           </a:xfrm>
           <a:prstGeom prst="rect">
             <a:avLst/>
@@ -4599,7 +4243,7 @@
           <a:lstStyle/>
           <a:p>
             <a:pPr algn="ctr"/>
-            <a:endParaRPr lang="en-US"/>
+            <a:endParaRPr lang="en-US" sz="1350"/>
           </a:p>
         </p:txBody>
       </p:sp>
@@ -4616,10 +4260,70 @@
 </p:sld>
 </file>
 
+<file path=ppt/slides/slide4.xml><?xml version="1.0" encoding="utf-8"?>
+<p:sld xmlns:a="http://schemas.openxmlformats.org/drawingml/2006/main" xmlns:r="http://schemas.openxmlformats.org/officeDocument/2006/relationships" xmlns:p="http://schemas.openxmlformats.org/presentationml/2006/main">
+  <p:cSld>
+    <p:spTree>
+      <p:nvGrpSpPr>
+        <p:cNvPr id="1" name=""/>
+        <p:cNvGrpSpPr/>
+        <p:nvPr/>
+      </p:nvGrpSpPr>
+      <p:grpSpPr>
+        <a:xfrm>
+          <a:off x="0" y="0"/>
+          <a:ext cx="0" cy="0"/>
+          <a:chOff x="0" y="0"/>
+          <a:chExt cx="0" cy="0"/>
+        </a:xfrm>
+      </p:grpSpPr>
+      <p:pic>
+        <p:nvPicPr>
+          <p:cNvPr id="3" name="Picture 2">
+            <a:extLst>
+              <a:ext uri="{FF2B5EF4-FFF2-40B4-BE49-F238E27FC236}">
+                <a16:creationId xmlns:a16="http://schemas.microsoft.com/office/drawing/2014/main" id="{B1FB967C-7FEC-DD43-97E2-10D837E843BA}"/>
+              </a:ext>
+            </a:extLst>
+          </p:cNvPr>
+          <p:cNvPicPr>
+            <a:picLocks noChangeAspect="1"/>
+          </p:cNvPicPr>
+          <p:nvPr/>
+        </p:nvPicPr>
+        <p:blipFill>
+          <a:blip r:embed="rId2"/>
+          <a:stretch>
+            <a:fillRect/>
+          </a:stretch>
+        </p:blipFill>
+        <p:spPr>
+          <a:xfrm>
+            <a:off x="1048836" y="1555184"/>
+            <a:ext cx="7046328" cy="3747632"/>
+          </a:xfrm>
+          <a:prstGeom prst="rect">
+            <a:avLst/>
+          </a:prstGeom>
+        </p:spPr>
+      </p:pic>
+    </p:spTree>
+    <p:extLst>
+      <p:ext uri="{BB962C8B-B14F-4D97-AF65-F5344CB8AC3E}">
+        <p14:creationId xmlns:p14="http://schemas.microsoft.com/office/powerpoint/2010/main" val="1950217807"/>
+      </p:ext>
+    </p:extLst>
+  </p:cSld>
+  <p:clrMapOvr>
+    <a:masterClrMapping/>
+  </p:clrMapOvr>
+</p:sld>
+</file>
+
 <file path=ppt/theme/theme1.xml><?xml version="1.0" encoding="utf-8"?>
 <a:theme xmlns:a="http://schemas.openxmlformats.org/drawingml/2006/main" name="Office Theme">
   <a:themeElements>
-    <a:clrScheme name="Office">
+    <a:clrScheme name="Office Theme">
       <a:dk1>
         <a:sysClr val="windowText" lastClr="000000"/>
       </a:dk1>
@@ -4657,7 +4361,7 @@
         <a:srgbClr val="954F72"/>
       </a:folHlink>
     </a:clrScheme>
-    <a:fontScheme name="Office">
+    <a:fontScheme name="Office Theme">
       <a:majorFont>
         <a:latin typeface="Calibri Light" panose="020F0302020204030204"/>
         <a:ea typeface=""/>
@@ -4692,23 +4396,6 @@
         <a:font script="Viet" typeface="Times New Roman"/>
         <a:font script="Uigh" typeface="Microsoft Uighur"/>
         <a:font script="Geor" typeface="Sylfaen"/>
-        <a:font script="Armn" typeface="Arial"/>
-        <a:font script="Bugi" typeface="Leelawadee UI"/>
-        <a:font script="Bopo" typeface="Microsoft JhengHei"/>
-        <a:font script="Java" typeface="Javanese Text"/>
-        <a:font script="Lisu" typeface="Segoe UI"/>
-        <a:font script="Mymr" typeface="Myanmar Text"/>
-        <a:font script="Nkoo" typeface="Ebrima"/>
-        <a:font script="Olck" typeface="Nirmala UI"/>
-        <a:font script="Osma" typeface="Ebrima"/>
-        <a:font script="Phag" typeface="Phagspa"/>
-        <a:font script="Syrn" typeface="Estrangelo Edessa"/>
-        <a:font script="Syrj" typeface="Estrangelo Edessa"/>
-        <a:font script="Syre" typeface="Estrangelo Edessa"/>
-        <a:font script="Sora" typeface="Nirmala UI"/>
-        <a:font script="Tale" typeface="Microsoft Tai Le"/>
-        <a:font script="Talu" typeface="Microsoft New Tai Lue"/>
-        <a:font script="Tfng" typeface="Ebrima"/>
       </a:majorFont>
       <a:minorFont>
         <a:latin typeface="Calibri" panose="020F0502020204030204"/>
@@ -4744,26 +4431,9 @@
         <a:font script="Viet" typeface="Arial"/>
         <a:font script="Uigh" typeface="Microsoft Uighur"/>
         <a:font script="Geor" typeface="Sylfaen"/>
-        <a:font script="Armn" typeface="Arial"/>
-        <a:font script="Bugi" typeface="Leelawadee UI"/>
-        <a:font script="Bopo" typeface="Microsoft JhengHei"/>
-        <a:font script="Java" typeface="Javanese Text"/>
-        <a:font script="Lisu" typeface="Segoe UI"/>
-        <a:font script="Mymr" typeface="Myanmar Text"/>
-        <a:font script="Nkoo" typeface="Ebrima"/>
-        <a:font script="Olck" typeface="Nirmala UI"/>
-        <a:font script="Osma" typeface="Ebrima"/>
-        <a:font script="Phag" typeface="Phagspa"/>
-        <a:font script="Syrn" typeface="Estrangelo Edessa"/>
-        <a:font script="Syrj" typeface="Estrangelo Edessa"/>
-        <a:font script="Syre" typeface="Estrangelo Edessa"/>
-        <a:font script="Sora" typeface="Nirmala UI"/>
-        <a:font script="Tale" typeface="Microsoft Tai Le"/>
-        <a:font script="Talu" typeface="Microsoft New Tai Lue"/>
-        <a:font script="Tfng" typeface="Ebrima"/>
       </a:minorFont>
     </a:fontScheme>
-    <a:fmtScheme name="Office">
+    <a:fmtScheme name="Office Theme">
       <a:fillStyleLst>
         <a:solidFill>
           <a:schemeClr val="phClr"/>
